--- a/docs/architecture.pptx
+++ b/docs/architecture.pptx
@@ -197,7 +197,7 @@
           <a:p>
             <a:fld id="{79309FBD-CAB8-8D42-92FA-7D85CA9D2673}" type="datetimeFigureOut">
               <a:rPr lang="fr-FR" smtClean="0"/>
-              <a:t>02/02/2023</a:t>
+              <a:t>14/06/2023</a:t>
             </a:fld>
             <a:endParaRPr lang="fr-FR"/>
           </a:p>
@@ -695,7 +695,7 @@
           <a:p>
             <a:fld id="{BE92FF89-6B05-5E4D-B0C9-9983E1513752}" type="datetimeFigureOut">
               <a:rPr lang="fr-FR" smtClean="0"/>
-              <a:t>02/02/2023</a:t>
+              <a:t>14/06/2023</a:t>
             </a:fld>
             <a:endParaRPr lang="fr-FR"/>
           </a:p>
@@ -893,7 +893,7 @@
           <a:p>
             <a:fld id="{BE92FF89-6B05-5E4D-B0C9-9983E1513752}" type="datetimeFigureOut">
               <a:rPr lang="fr-FR" smtClean="0"/>
-              <a:t>02/02/2023</a:t>
+              <a:t>14/06/2023</a:t>
             </a:fld>
             <a:endParaRPr lang="fr-FR"/>
           </a:p>
@@ -1101,7 +1101,7 @@
           <a:p>
             <a:fld id="{BE92FF89-6B05-5E4D-B0C9-9983E1513752}" type="datetimeFigureOut">
               <a:rPr lang="fr-FR" smtClean="0"/>
-              <a:t>02/02/2023</a:t>
+              <a:t>14/06/2023</a:t>
             </a:fld>
             <a:endParaRPr lang="fr-FR"/>
           </a:p>
@@ -1299,7 +1299,7 @@
           <a:p>
             <a:fld id="{BE92FF89-6B05-5E4D-B0C9-9983E1513752}" type="datetimeFigureOut">
               <a:rPr lang="fr-FR" smtClean="0"/>
-              <a:t>02/02/2023</a:t>
+              <a:t>14/06/2023</a:t>
             </a:fld>
             <a:endParaRPr lang="fr-FR"/>
           </a:p>
@@ -1574,7 +1574,7 @@
           <a:p>
             <a:fld id="{BE92FF89-6B05-5E4D-B0C9-9983E1513752}" type="datetimeFigureOut">
               <a:rPr lang="fr-FR" smtClean="0"/>
-              <a:t>02/02/2023</a:t>
+              <a:t>14/06/2023</a:t>
             </a:fld>
             <a:endParaRPr lang="fr-FR"/>
           </a:p>
@@ -1839,7 +1839,7 @@
           <a:p>
             <a:fld id="{BE92FF89-6B05-5E4D-B0C9-9983E1513752}" type="datetimeFigureOut">
               <a:rPr lang="fr-FR" smtClean="0"/>
-              <a:t>02/02/2023</a:t>
+              <a:t>14/06/2023</a:t>
             </a:fld>
             <a:endParaRPr lang="fr-FR"/>
           </a:p>
@@ -2251,7 +2251,7 @@
           <a:p>
             <a:fld id="{BE92FF89-6B05-5E4D-B0C9-9983E1513752}" type="datetimeFigureOut">
               <a:rPr lang="fr-FR" smtClean="0"/>
-              <a:t>02/02/2023</a:t>
+              <a:t>14/06/2023</a:t>
             </a:fld>
             <a:endParaRPr lang="fr-FR"/>
           </a:p>
@@ -2392,7 +2392,7 @@
           <a:p>
             <a:fld id="{BE92FF89-6B05-5E4D-B0C9-9983E1513752}" type="datetimeFigureOut">
               <a:rPr lang="fr-FR" smtClean="0"/>
-              <a:t>02/02/2023</a:t>
+              <a:t>14/06/2023</a:t>
             </a:fld>
             <a:endParaRPr lang="fr-FR"/>
           </a:p>
@@ -2505,7 +2505,7 @@
           <a:p>
             <a:fld id="{BE92FF89-6B05-5E4D-B0C9-9983E1513752}" type="datetimeFigureOut">
               <a:rPr lang="fr-FR" smtClean="0"/>
-              <a:t>02/02/2023</a:t>
+              <a:t>14/06/2023</a:t>
             </a:fld>
             <a:endParaRPr lang="fr-FR"/>
           </a:p>
@@ -2816,7 +2816,7 @@
           <a:p>
             <a:fld id="{BE92FF89-6B05-5E4D-B0C9-9983E1513752}" type="datetimeFigureOut">
               <a:rPr lang="fr-FR" smtClean="0"/>
-              <a:t>02/02/2023</a:t>
+              <a:t>14/06/2023</a:t>
             </a:fld>
             <a:endParaRPr lang="fr-FR"/>
           </a:p>
@@ -3104,7 +3104,7 @@
           <a:p>
             <a:fld id="{BE92FF89-6B05-5E4D-B0C9-9983E1513752}" type="datetimeFigureOut">
               <a:rPr lang="fr-FR" smtClean="0"/>
-              <a:t>02/02/2023</a:t>
+              <a:t>14/06/2023</a:t>
             </a:fld>
             <a:endParaRPr lang="fr-FR"/>
           </a:p>
@@ -3345,7 +3345,7 @@
           <a:p>
             <a:fld id="{BE92FF89-6B05-5E4D-B0C9-9983E1513752}" type="datetimeFigureOut">
               <a:rPr lang="fr-FR" smtClean="0"/>
-              <a:t>02/02/2023</a:t>
+              <a:t>14/06/2023</a:t>
             </a:fld>
             <a:endParaRPr lang="fr-FR"/>
           </a:p>
@@ -5386,7 +5386,7 @@
         </p:nvSpPr>
         <p:spPr>
           <a:xfrm>
-            <a:off x="1584252" y="1212733"/>
+            <a:off x="696418" y="1896024"/>
             <a:ext cx="3323667" cy="369332"/>
           </a:xfrm>
           <a:prstGeom prst="rect">
@@ -5726,7 +5726,7 @@
         </p:nvCxnSpPr>
         <p:spPr>
           <a:xfrm>
-            <a:off x="219722" y="5549528"/>
+            <a:off x="376455" y="4332569"/>
             <a:ext cx="442751" cy="0"/>
           </a:xfrm>
           <a:prstGeom prst="straightConnector1">
@@ -5769,7 +5769,7 @@
         </p:nvSpPr>
         <p:spPr>
           <a:xfrm>
-            <a:off x="662473" y="5364862"/>
+            <a:off x="819206" y="4147903"/>
             <a:ext cx="780919" cy="369332"/>
           </a:xfrm>
           <a:prstGeom prst="rect">
@@ -5806,7 +5806,7 @@
         </p:nvCxnSpPr>
         <p:spPr>
           <a:xfrm>
-            <a:off x="219722" y="5901123"/>
+            <a:off x="376455" y="4684164"/>
             <a:ext cx="442751" cy="0"/>
           </a:xfrm>
           <a:prstGeom prst="straightConnector1">
@@ -5849,7 +5849,7 @@
         </p:nvSpPr>
         <p:spPr>
           <a:xfrm>
-            <a:off x="662473" y="5716457"/>
+            <a:off x="819206" y="4499498"/>
             <a:ext cx="634982" cy="369332"/>
           </a:xfrm>
           <a:prstGeom prst="rect">
@@ -5886,7 +5886,7 @@
         </p:nvCxnSpPr>
         <p:spPr>
           <a:xfrm>
-            <a:off x="213500" y="6202814"/>
+            <a:off x="370233" y="4985855"/>
             <a:ext cx="442751" cy="0"/>
           </a:xfrm>
           <a:prstGeom prst="straightConnector1">
@@ -5929,7 +5929,7 @@
         </p:nvSpPr>
         <p:spPr>
           <a:xfrm>
-            <a:off x="656251" y="6018148"/>
+            <a:off x="812984" y="4801189"/>
             <a:ext cx="660758" cy="369332"/>
           </a:xfrm>
           <a:prstGeom prst="rect">
@@ -6098,6 +6098,67 @@
           </a:fontRef>
         </p:style>
       </p:cxnSp>
+      <p:sp>
+        <p:nvSpPr>
+          <p:cNvPr id="17" name="Rectangle : coins arrondis 16">
+            <a:extLst>
+              <a:ext uri="{FF2B5EF4-FFF2-40B4-BE49-F238E27FC236}">
+                <a16:creationId xmlns:a16="http://schemas.microsoft.com/office/drawing/2014/main" id="{DAF5B151-08C7-0589-A491-04FCFA66797F}"/>
+              </a:ext>
+            </a:extLst>
+          </p:cNvPr>
+          <p:cNvSpPr/>
+          <p:nvPr/>
+        </p:nvSpPr>
+        <p:spPr>
+          <a:xfrm>
+            <a:off x="853151" y="4535831"/>
+            <a:ext cx="152404" cy="296663"/>
+          </a:xfrm>
+          <a:prstGeom prst="roundRect">
+            <a:avLst>
+              <a:gd name="adj" fmla="val 34928"/>
+            </a:avLst>
+          </a:prstGeom>
+          <a:solidFill>
+            <a:schemeClr val="tx1"/>
+          </a:solidFill>
+          <a:ln>
+            <a:noFill/>
+          </a:ln>
+        </p:spPr>
+        <p:style>
+          <a:lnRef idx="2">
+            <a:schemeClr val="accent1">
+              <a:shade val="50000"/>
+            </a:schemeClr>
+          </a:lnRef>
+          <a:fillRef idx="1">
+            <a:schemeClr val="accent1"/>
+          </a:fillRef>
+          <a:effectRef idx="0">
+            <a:schemeClr val="accent1"/>
+          </a:effectRef>
+          <a:fontRef idx="minor">
+            <a:schemeClr val="lt1"/>
+          </a:fontRef>
+        </p:style>
+        <p:txBody>
+          <a:bodyPr rtlCol="0" anchor="ctr"/>
+          <a:lstStyle/>
+          <a:p>
+            <a:pPr algn="ctr"/>
+            <a:r>
+              <a:rPr lang="fr-FR" dirty="0">
+                <a:solidFill>
+                  <a:schemeClr val="bg1"/>
+                </a:solidFill>
+              </a:rPr>
+              <a:t>F</a:t>
+            </a:r>
+          </a:p>
+        </p:txBody>
+      </p:sp>
     </p:spTree>
     <p:extLst>
       <p:ext uri="{BB962C8B-B14F-4D97-AF65-F5344CB8AC3E}">

--- a/docs/architecture.pptx
+++ b/docs/architecture.pptx
@@ -197,7 +197,7 @@
           <a:p>
             <a:fld id="{79309FBD-CAB8-8D42-92FA-7D85CA9D2673}" type="datetimeFigureOut">
               <a:rPr lang="fr-FR" smtClean="0"/>
-              <a:t>14/06/2023</a:t>
+              <a:t>25/01/2024</a:t>
             </a:fld>
             <a:endParaRPr lang="fr-FR"/>
           </a:p>
@@ -695,7 +695,7 @@
           <a:p>
             <a:fld id="{BE92FF89-6B05-5E4D-B0C9-9983E1513752}" type="datetimeFigureOut">
               <a:rPr lang="fr-FR" smtClean="0"/>
-              <a:t>14/06/2023</a:t>
+              <a:t>25/01/2024</a:t>
             </a:fld>
             <a:endParaRPr lang="fr-FR"/>
           </a:p>
@@ -893,7 +893,7 @@
           <a:p>
             <a:fld id="{BE92FF89-6B05-5E4D-B0C9-9983E1513752}" type="datetimeFigureOut">
               <a:rPr lang="fr-FR" smtClean="0"/>
-              <a:t>14/06/2023</a:t>
+              <a:t>25/01/2024</a:t>
             </a:fld>
             <a:endParaRPr lang="fr-FR"/>
           </a:p>
@@ -1101,7 +1101,7 @@
           <a:p>
             <a:fld id="{BE92FF89-6B05-5E4D-B0C9-9983E1513752}" type="datetimeFigureOut">
               <a:rPr lang="fr-FR" smtClean="0"/>
-              <a:t>14/06/2023</a:t>
+              <a:t>25/01/2024</a:t>
             </a:fld>
             <a:endParaRPr lang="fr-FR"/>
           </a:p>
@@ -1299,7 +1299,7 @@
           <a:p>
             <a:fld id="{BE92FF89-6B05-5E4D-B0C9-9983E1513752}" type="datetimeFigureOut">
               <a:rPr lang="fr-FR" smtClean="0"/>
-              <a:t>14/06/2023</a:t>
+              <a:t>25/01/2024</a:t>
             </a:fld>
             <a:endParaRPr lang="fr-FR"/>
           </a:p>
@@ -1574,7 +1574,7 @@
           <a:p>
             <a:fld id="{BE92FF89-6B05-5E4D-B0C9-9983E1513752}" type="datetimeFigureOut">
               <a:rPr lang="fr-FR" smtClean="0"/>
-              <a:t>14/06/2023</a:t>
+              <a:t>25/01/2024</a:t>
             </a:fld>
             <a:endParaRPr lang="fr-FR"/>
           </a:p>
@@ -1839,7 +1839,7 @@
           <a:p>
             <a:fld id="{BE92FF89-6B05-5E4D-B0C9-9983E1513752}" type="datetimeFigureOut">
               <a:rPr lang="fr-FR" smtClean="0"/>
-              <a:t>14/06/2023</a:t>
+              <a:t>25/01/2024</a:t>
             </a:fld>
             <a:endParaRPr lang="fr-FR"/>
           </a:p>
@@ -2251,7 +2251,7 @@
           <a:p>
             <a:fld id="{BE92FF89-6B05-5E4D-B0C9-9983E1513752}" type="datetimeFigureOut">
               <a:rPr lang="fr-FR" smtClean="0"/>
-              <a:t>14/06/2023</a:t>
+              <a:t>25/01/2024</a:t>
             </a:fld>
             <a:endParaRPr lang="fr-FR"/>
           </a:p>
@@ -2392,7 +2392,7 @@
           <a:p>
             <a:fld id="{BE92FF89-6B05-5E4D-B0C9-9983E1513752}" type="datetimeFigureOut">
               <a:rPr lang="fr-FR" smtClean="0"/>
-              <a:t>14/06/2023</a:t>
+              <a:t>25/01/2024</a:t>
             </a:fld>
             <a:endParaRPr lang="fr-FR"/>
           </a:p>
@@ -2505,7 +2505,7 @@
           <a:p>
             <a:fld id="{BE92FF89-6B05-5E4D-B0C9-9983E1513752}" type="datetimeFigureOut">
               <a:rPr lang="fr-FR" smtClean="0"/>
-              <a:t>14/06/2023</a:t>
+              <a:t>25/01/2024</a:t>
             </a:fld>
             <a:endParaRPr lang="fr-FR"/>
           </a:p>
@@ -2816,7 +2816,7 @@
           <a:p>
             <a:fld id="{BE92FF89-6B05-5E4D-B0C9-9983E1513752}" type="datetimeFigureOut">
               <a:rPr lang="fr-FR" smtClean="0"/>
-              <a:t>14/06/2023</a:t>
+              <a:t>25/01/2024</a:t>
             </a:fld>
             <a:endParaRPr lang="fr-FR"/>
           </a:p>
@@ -3104,7 +3104,7 @@
           <a:p>
             <a:fld id="{BE92FF89-6B05-5E4D-B0C9-9983E1513752}" type="datetimeFigureOut">
               <a:rPr lang="fr-FR" smtClean="0"/>
-              <a:t>14/06/2023</a:t>
+              <a:t>25/01/2024</a:t>
             </a:fld>
             <a:endParaRPr lang="fr-FR"/>
           </a:p>
@@ -3345,7 +3345,7 @@
           <a:p>
             <a:fld id="{BE92FF89-6B05-5E4D-B0C9-9983E1513752}" type="datetimeFigureOut">
               <a:rPr lang="fr-FR" smtClean="0"/>
-              <a:t>14/06/2023</a:t>
+              <a:t>25/01/2024</a:t>
             </a:fld>
             <a:endParaRPr lang="fr-FR"/>
           </a:p>
@@ -3810,7 +3810,7 @@
           <a:p>
             <a:pPr algn="ctr"/>
             <a:r>
-              <a:rPr lang="fr-FR" dirty="0">
+              <a:rPr lang="en-US">
                 <a:solidFill>
                   <a:schemeClr val="tx1"/>
                 </a:solidFill>
@@ -3868,7 +3868,7 @@
           <a:p>
             <a:pPr algn="ctr"/>
             <a:r>
-              <a:rPr lang="fr-FR" dirty="0">
+              <a:rPr lang="en-US">
                 <a:solidFill>
                   <a:schemeClr val="tx1"/>
                 </a:solidFill>
@@ -3926,7 +3926,7 @@
           <a:p>
             <a:pPr algn="ctr"/>
             <a:r>
-              <a:rPr lang="fr-FR" sz="1600" b="1" dirty="0" err="1">
+              <a:rPr lang="en-US" sz="1600" b="1">
                 <a:solidFill>
                   <a:schemeClr val="bg1"/>
                 </a:solidFill>
@@ -3935,7 +3935,7 @@
               </a:rPr>
               <a:t>ascp</a:t>
             </a:r>
-            <a:endParaRPr lang="fr-FR" b="1" dirty="0">
+            <a:endParaRPr lang="en-US" b="1">
               <a:solidFill>
                 <a:schemeClr val="bg1"/>
               </a:solidFill>
@@ -3993,18 +3993,13 @@
           <a:p>
             <a:pPr algn="ctr"/>
             <a:r>
-              <a:rPr lang="fr-FR" dirty="0" err="1">
+              <a:rPr lang="en-US">
                 <a:solidFill>
                   <a:schemeClr val="tx1"/>
                 </a:solidFill>
               </a:rPr>
               <a:t>gems</a:t>
             </a:r>
-            <a:endParaRPr lang="fr-FR" dirty="0">
-              <a:solidFill>
-                <a:schemeClr val="tx1"/>
-              </a:solidFill>
-            </a:endParaRPr>
           </a:p>
         </p:txBody>
       </p:sp>
@@ -4054,7 +4049,7 @@
           <a:p>
             <a:pPr algn="ctr"/>
             <a:r>
-              <a:rPr lang="fr-FR" sz="1600" b="1" dirty="0" err="1">
+              <a:rPr lang="en-US" sz="1600" b="1">
                 <a:solidFill>
                   <a:schemeClr val="tx1"/>
                 </a:solidFill>
@@ -4064,27 +4059,19 @@
               <a:t>ascli</a:t>
             </a:r>
             <a:br>
-              <a:rPr lang="fr-FR" dirty="0">
+              <a:rPr lang="en-US">
                 <a:solidFill>
                   <a:schemeClr val="tx1"/>
                 </a:solidFill>
               </a:rPr>
             </a:br>
             <a:r>
-              <a:rPr lang="fr-FR" dirty="0" err="1">
+              <a:rPr lang="en-US">
                 <a:solidFill>
                   <a:schemeClr val="tx1"/>
                 </a:solidFill>
               </a:rPr>
-              <a:t>aspera</a:t>
-            </a:r>
-            <a:r>
-              <a:rPr lang="fr-FR" dirty="0">
-                <a:solidFill>
-                  <a:schemeClr val="tx1"/>
-                </a:solidFill>
-              </a:rPr>
-              <a:t>-cli gem</a:t>
+              <a:t>aspera-cli gem</a:t>
             </a:r>
           </a:p>
         </p:txBody>
@@ -4137,18 +4124,13 @@
           <a:p>
             <a:pPr algn="ctr"/>
             <a:r>
-              <a:rPr lang="fr-FR" dirty="0" err="1">
+              <a:rPr lang="en-US">
                 <a:solidFill>
                   <a:schemeClr val="bg1"/>
                 </a:solidFill>
               </a:rPr>
               <a:t>trSDK</a:t>
             </a:r>
-            <a:endParaRPr lang="fr-FR" dirty="0">
-              <a:solidFill>
-                <a:schemeClr val="bg1"/>
-              </a:solidFill>
-            </a:endParaRPr>
           </a:p>
         </p:txBody>
       </p:sp>
@@ -4200,18 +4182,13 @@
           <a:p>
             <a:pPr algn="ctr"/>
             <a:r>
-              <a:rPr lang="fr-FR" dirty="0" err="1">
+              <a:rPr lang="en-US">
                 <a:solidFill>
                   <a:schemeClr val="bg1"/>
                 </a:solidFill>
               </a:rPr>
               <a:t>Connect</a:t>
             </a:r>
-            <a:endParaRPr lang="fr-FR" dirty="0">
-              <a:solidFill>
-                <a:schemeClr val="bg1"/>
-              </a:solidFill>
-            </a:endParaRPr>
           </a:p>
         </p:txBody>
       </p:sp>
@@ -4263,26 +4240,13 @@
           <a:p>
             <a:pPr algn="ctr"/>
             <a:r>
-              <a:rPr lang="fr-FR" dirty="0">
+              <a:rPr lang="en-US">
                 <a:solidFill>
                   <a:schemeClr val="bg1"/>
                 </a:solidFill>
               </a:rPr>
-              <a:t>HSTS </a:t>
-            </a:r>
-            <a:r>
-              <a:rPr lang="fr-FR" dirty="0" err="1">
-                <a:solidFill>
-                  <a:schemeClr val="bg1"/>
-                </a:solidFill>
-              </a:rPr>
-              <a:t>node</a:t>
-            </a:r>
-            <a:endParaRPr lang="fr-FR" dirty="0">
-              <a:solidFill>
-                <a:schemeClr val="bg1"/>
-              </a:solidFill>
-            </a:endParaRPr>
+              <a:t>HSTS node</a:t>
+            </a:r>
           </a:p>
         </p:txBody>
       </p:sp>
@@ -4300,7 +4264,7 @@
         </p:nvSpPr>
         <p:spPr>
           <a:xfrm>
-            <a:off x="9771084" y="3081799"/>
+            <a:off x="7931780" y="2219953"/>
             <a:ext cx="1526271" cy="288000"/>
           </a:xfrm>
           <a:prstGeom prst="roundRect">
@@ -4334,7 +4298,7 @@
           <a:p>
             <a:pPr algn="ctr"/>
             <a:r>
-              <a:rPr lang="fr-FR" dirty="0">
+              <a:rPr lang="en-US">
                 <a:solidFill>
                   <a:schemeClr val="bg1"/>
                 </a:solidFill>
@@ -4358,7 +4322,7 @@
         </p:nvSpPr>
         <p:spPr>
           <a:xfrm>
-            <a:off x="9771084" y="2629568"/>
+            <a:off x="7931780" y="1767722"/>
             <a:ext cx="1526271" cy="288000"/>
           </a:xfrm>
           <a:prstGeom prst="roundRect">
@@ -4392,18 +4356,13 @@
           <a:p>
             <a:pPr algn="ctr"/>
             <a:r>
-              <a:rPr lang="fr-FR" dirty="0" err="1">
+              <a:rPr lang="en-US">
                 <a:solidFill>
                   <a:schemeClr val="bg1"/>
                 </a:solidFill>
               </a:rPr>
               <a:t>Shares</a:t>
             </a:r>
-            <a:endParaRPr lang="fr-FR" dirty="0">
-              <a:solidFill>
-                <a:schemeClr val="bg1"/>
-              </a:solidFill>
-            </a:endParaRPr>
           </a:p>
         </p:txBody>
       </p:sp>
@@ -4421,7 +4380,7 @@
         </p:nvSpPr>
         <p:spPr>
           <a:xfrm>
-            <a:off x="9771083" y="2197931"/>
+            <a:off x="7931780" y="1336085"/>
             <a:ext cx="1526271" cy="288000"/>
           </a:xfrm>
           <a:prstGeom prst="roundRect">
@@ -4455,7 +4414,7 @@
           <a:p>
             <a:pPr algn="ctr"/>
             <a:r>
-              <a:rPr lang="fr-FR" dirty="0">
+              <a:rPr lang="en-US">
                 <a:solidFill>
                   <a:schemeClr val="bg1"/>
                 </a:solidFill>
@@ -4479,7 +4438,7 @@
         </p:nvSpPr>
         <p:spPr>
           <a:xfrm>
-            <a:off x="9771082" y="1766294"/>
+            <a:off x="7931780" y="904448"/>
             <a:ext cx="1526271" cy="288000"/>
           </a:xfrm>
           <a:prstGeom prst="roundRect">
@@ -4513,83 +4472,12 @@
           <a:p>
             <a:pPr algn="ctr"/>
             <a:r>
-              <a:rPr lang="fr-FR" dirty="0" err="1">
+              <a:rPr lang="en-US">
                 <a:solidFill>
                   <a:schemeClr val="bg1"/>
                 </a:solidFill>
               </a:rPr>
               <a:t>Orchestrator</a:t>
-            </a:r>
-            <a:endParaRPr lang="fr-FR" dirty="0">
-              <a:solidFill>
-                <a:schemeClr val="bg1"/>
-              </a:solidFill>
-            </a:endParaRPr>
-          </a:p>
-        </p:txBody>
-      </p:sp>
-      <p:sp>
-        <p:nvSpPr>
-          <p:cNvPr id="16" name="Rectangle : coins arrondis 15">
-            <a:extLst>
-              <a:ext uri="{FF2B5EF4-FFF2-40B4-BE49-F238E27FC236}">
-                <a16:creationId xmlns:a16="http://schemas.microsoft.com/office/drawing/2014/main" id="{1A2AD1D9-9CD2-1A41-972F-E4FB7E4F2655}"/>
-              </a:ext>
-            </a:extLst>
-          </p:cNvPr>
-          <p:cNvSpPr/>
-          <p:nvPr/>
-        </p:nvSpPr>
-        <p:spPr>
-          <a:xfrm>
-            <a:off x="9771081" y="1334657"/>
-            <a:ext cx="1526271" cy="288000"/>
-          </a:xfrm>
-          <a:prstGeom prst="roundRect">
-            <a:avLst/>
-          </a:prstGeom>
-          <a:solidFill>
-            <a:schemeClr val="accent1">
-              <a:lumMod val="75000"/>
-            </a:schemeClr>
-          </a:solidFill>
-        </p:spPr>
-        <p:style>
-          <a:lnRef idx="2">
-            <a:schemeClr val="accent1">
-              <a:shade val="50000"/>
-            </a:schemeClr>
-          </a:lnRef>
-          <a:fillRef idx="1">
-            <a:schemeClr val="accent1"/>
-          </a:fillRef>
-          <a:effectRef idx="0">
-            <a:schemeClr val="accent1"/>
-          </a:effectRef>
-          <a:fontRef idx="minor">
-            <a:schemeClr val="lt1"/>
-          </a:fontRef>
-        </p:style>
-        <p:txBody>
-          <a:bodyPr rtlCol="0" anchor="ctr"/>
-          <a:lstStyle/>
-          <a:p>
-            <a:pPr algn="ctr"/>
-            <a:r>
-              <a:rPr lang="fr-FR" dirty="0" err="1">
-                <a:solidFill>
-                  <a:schemeClr val="bg1"/>
-                </a:solidFill>
-              </a:rPr>
-              <a:t>AoC</a:t>
-            </a:r>
-            <a:r>
-              <a:rPr lang="fr-FR" dirty="0">
-                <a:solidFill>
-                  <a:schemeClr val="bg1"/>
-                </a:solidFill>
-              </a:rPr>
-              <a:t>/ATS</a:t>
             </a:r>
           </a:p>
         </p:txBody>
@@ -4611,8 +4499,8 @@
         </p:nvCxnSpPr>
         <p:spPr>
           <a:xfrm flipV="1">
-            <a:off x="5812221" y="1478657"/>
-            <a:ext cx="3958860" cy="1950343"/>
+            <a:off x="5812221" y="3233878"/>
+            <a:ext cx="3958860" cy="195122"/>
           </a:xfrm>
           <a:prstGeom prst="straightConnector1">
             <a:avLst/>
@@ -4658,8 +4546,8 @@
         </p:nvCxnSpPr>
         <p:spPr>
           <a:xfrm flipV="1">
-            <a:off x="5812221" y="1910294"/>
-            <a:ext cx="3958861" cy="1518706"/>
+            <a:off x="5812221" y="1048448"/>
+            <a:ext cx="2119559" cy="2380552"/>
           </a:xfrm>
           <a:prstGeom prst="straightConnector1">
             <a:avLst/>
@@ -4705,8 +4593,8 @@
         </p:nvCxnSpPr>
         <p:spPr>
           <a:xfrm flipV="1">
-            <a:off x="5812221" y="2341931"/>
-            <a:ext cx="3958862" cy="1087069"/>
+            <a:off x="5812221" y="1480085"/>
+            <a:ext cx="2119559" cy="1948915"/>
           </a:xfrm>
           <a:prstGeom prst="straightConnector1">
             <a:avLst/>
@@ -4752,8 +4640,8 @@
         </p:nvCxnSpPr>
         <p:spPr>
           <a:xfrm flipV="1">
-            <a:off x="5812221" y="2773568"/>
-            <a:ext cx="3958863" cy="655432"/>
+            <a:off x="5812221" y="1911722"/>
+            <a:ext cx="2119559" cy="1517278"/>
           </a:xfrm>
           <a:prstGeom prst="straightConnector1">
             <a:avLst/>
@@ -4799,8 +4687,8 @@
         </p:nvCxnSpPr>
         <p:spPr>
           <a:xfrm flipV="1">
-            <a:off x="5812221" y="3225799"/>
-            <a:ext cx="3958863" cy="203201"/>
+            <a:off x="5812221" y="2363953"/>
+            <a:ext cx="2119559" cy="1065047"/>
           </a:xfrm>
           <a:prstGeom prst="straightConnector1">
             <a:avLst/>
@@ -5091,66 +4979,8 @@
           <a:lstStyle/>
           <a:p>
             <a:r>
-              <a:rPr lang="fr-FR" dirty="0"/>
+              <a:rPr lang="en-US"/>
               <a:t>Local system</a:t>
-            </a:r>
-          </a:p>
-        </p:txBody>
-      </p:sp>
-      <p:sp>
-        <p:nvSpPr>
-          <p:cNvPr id="48" name="Rectangle : coins arrondis 47">
-            <a:extLst>
-              <a:ext uri="{FF2B5EF4-FFF2-40B4-BE49-F238E27FC236}">
-                <a16:creationId xmlns:a16="http://schemas.microsoft.com/office/drawing/2014/main" id="{BA3DDF2C-CB65-3F46-9D2F-B625A5D1FFC3}"/>
-              </a:ext>
-            </a:extLst>
-          </p:cNvPr>
-          <p:cNvSpPr/>
-          <p:nvPr/>
-        </p:nvSpPr>
-        <p:spPr>
-          <a:xfrm>
-            <a:off x="9771080" y="892102"/>
-            <a:ext cx="1526271" cy="288000"/>
-          </a:xfrm>
-          <a:prstGeom prst="roundRect">
-            <a:avLst/>
-          </a:prstGeom>
-          <a:solidFill>
-            <a:schemeClr val="accent1">
-              <a:lumMod val="75000"/>
-            </a:schemeClr>
-          </a:solidFill>
-        </p:spPr>
-        <p:style>
-          <a:lnRef idx="2">
-            <a:schemeClr val="accent1">
-              <a:shade val="50000"/>
-            </a:schemeClr>
-          </a:lnRef>
-          <a:fillRef idx="1">
-            <a:schemeClr val="accent1"/>
-          </a:fillRef>
-          <a:effectRef idx="0">
-            <a:schemeClr val="accent1"/>
-          </a:effectRef>
-          <a:fontRef idx="minor">
-            <a:schemeClr val="lt1"/>
-          </a:fontRef>
-        </p:style>
-        <p:txBody>
-          <a:bodyPr rtlCol="0" anchor="ctr"/>
-          <a:lstStyle/>
-          <a:p>
-            <a:pPr algn="ctr"/>
-            <a:r>
-              <a:rPr lang="fr-FR" dirty="0">
-                <a:solidFill>
-                  <a:schemeClr val="bg1"/>
-                </a:solidFill>
-              </a:rPr>
-              <a:t>COS</a:t>
             </a:r>
           </a:p>
         </p:txBody>
@@ -5173,8 +5003,8 @@
         </p:nvCxnSpPr>
         <p:spPr>
           <a:xfrm flipV="1">
-            <a:off x="5812221" y="1036102"/>
-            <a:ext cx="3958859" cy="2392898"/>
+            <a:off x="5812221" y="2791323"/>
+            <a:ext cx="3958859" cy="637677"/>
           </a:xfrm>
           <a:prstGeom prst="straightConnector1">
             <a:avLst/>
@@ -5216,8 +5046,8 @@
         </p:nvSpPr>
         <p:spPr>
           <a:xfrm>
-            <a:off x="1789549" y="4629604"/>
-            <a:ext cx="1364476" cy="646331"/>
+            <a:off x="2167875" y="4777593"/>
+            <a:ext cx="1047146" cy="369332"/>
           </a:xfrm>
           <a:prstGeom prst="rect">
             <a:avLst/>
@@ -5232,21 +5062,9 @@
           <a:p>
             <a:pPr algn="ctr"/>
             <a:r>
-              <a:rPr lang="fr-FR" dirty="0"/>
+              <a:rPr lang="en-US" dirty="0"/>
               <a:t>3rd party</a:t>
             </a:r>
-          </a:p>
-          <a:p>
-            <a:pPr algn="ctr"/>
-            <a:r>
-              <a:rPr lang="fr-FR" dirty="0"/>
-              <a:t>not </a:t>
-            </a:r>
-            <a:r>
-              <a:rPr lang="fr-FR" dirty="0" err="1"/>
-              <a:t>included</a:t>
-            </a:r>
-            <a:endParaRPr lang="fr-FR" dirty="0"/>
           </a:p>
         </p:txBody>
       </p:sp>
@@ -5264,8 +5082,8 @@
         </p:nvSpPr>
         <p:spPr>
           <a:xfrm>
-            <a:off x="9312760" y="-27713"/>
-            <a:ext cx="2386358" cy="923330"/>
+            <a:off x="5758316" y="-34730"/>
+            <a:ext cx="5546695" cy="2585323"/>
           </a:xfrm>
           <a:prstGeom prst="rect">
             <a:avLst/>
@@ -5273,48 +5091,54 @@
           <a:noFill/>
         </p:spPr>
         <p:txBody>
-          <a:bodyPr wrap="none" rtlCol="0">
+          <a:bodyPr wrap="square" rtlCol="0">
             <a:spAutoFit/>
           </a:bodyPr>
           <a:lstStyle/>
           <a:p>
+            <a:pPr algn="r"/>
+            <a:r>
+              <a:rPr lang="en-US" dirty="0"/>
+              <a:t>Remote systems: Other IBM Aspera components</a:t>
+            </a:r>
+          </a:p>
+          <a:p>
             <a:pPr algn="ctr"/>
-            <a:r>
-              <a:rPr lang="fr-FR" dirty="0" err="1"/>
-              <a:t>Remote</a:t>
-            </a:r>
-            <a:r>
-              <a:rPr lang="fr-FR" dirty="0"/>
-              <a:t> </a:t>
-            </a:r>
-            <a:r>
-              <a:rPr lang="fr-FR" dirty="0" err="1"/>
-              <a:t>systems</a:t>
-            </a:r>
-            <a:endParaRPr lang="fr-FR" dirty="0"/>
+            <a:endParaRPr lang="en-US" dirty="0"/>
           </a:p>
           <a:p>
             <a:pPr algn="ctr"/>
             <a:r>
-              <a:rPr lang="fr-FR" dirty="0" err="1"/>
-              <a:t>Other</a:t>
-            </a:r>
-            <a:r>
-              <a:rPr lang="fr-FR" dirty="0"/>
-              <a:t> IBM components</a:t>
-            </a:r>
-          </a:p>
-          <a:p>
-            <a:pPr algn="ctr"/>
-            <a:r>
-              <a:rPr lang="fr-FR" dirty="0"/>
-              <a:t>not </a:t>
-            </a:r>
-            <a:r>
-              <a:rPr lang="fr-FR" dirty="0" err="1"/>
-              <a:t>included</a:t>
-            </a:r>
-            <a:endParaRPr lang="fr-FR" dirty="0"/>
+              <a:rPr lang="en-US" dirty="0"/>
+              <a:t>Web Apps</a:t>
+            </a:r>
+          </a:p>
+          <a:p>
+            <a:pPr algn="r"/>
+            <a:endParaRPr lang="en-US" dirty="0"/>
+          </a:p>
+          <a:p>
+            <a:pPr algn="r"/>
+            <a:endParaRPr lang="en-US" dirty="0"/>
+          </a:p>
+          <a:p>
+            <a:pPr algn="r"/>
+            <a:endParaRPr lang="en-US" dirty="0"/>
+          </a:p>
+          <a:p>
+            <a:pPr algn="r"/>
+            <a:endParaRPr lang="en-US" dirty="0"/>
+          </a:p>
+          <a:p>
+            <a:pPr algn="r"/>
+            <a:endParaRPr lang="en-US" dirty="0"/>
+          </a:p>
+          <a:p>
+            <a:pPr algn="r"/>
+            <a:r>
+              <a:rPr lang="en-US" dirty="0"/>
+              <a:t>Transfer Servers</a:t>
+            </a:r>
           </a:p>
         </p:txBody>
       </p:sp>
@@ -5347,25 +5171,17 @@
           <a:lstStyle/>
           <a:p>
             <a:r>
-              <a:rPr lang="fr-FR" dirty="0"/>
-              <a:t>Single gem </a:t>
-            </a:r>
-            <a:r>
-              <a:rPr lang="fr-FR" dirty="0" err="1"/>
-              <a:t>implementing</a:t>
-            </a:r>
-            <a:r>
-              <a:rPr lang="fr-FR" dirty="0"/>
-              <a:t> </a:t>
-            </a:r>
-            <a:r>
-              <a:rPr lang="fr-FR" sz="1600" b="1" dirty="0" err="1">
+              <a:rPr lang="en-US"/>
+              <a:t>Single gem implementing </a:t>
+            </a:r>
+            <a:r>
+              <a:rPr lang="en-US" sz="1600" b="1">
                 <a:latin typeface="Courier New" panose="02070309020205020404" pitchFamily="49" charset="0"/>
                 <a:cs typeface="Courier New" panose="02070309020205020404" pitchFamily="49" charset="0"/>
               </a:rPr>
               <a:t>ascli</a:t>
             </a:r>
-            <a:endParaRPr lang="fr-FR" b="1" dirty="0">
+            <a:endParaRPr lang="en-US" b="1">
               <a:latin typeface="Courier New" panose="02070309020205020404" pitchFamily="49" charset="0"/>
               <a:cs typeface="Courier New" panose="02070309020205020404" pitchFamily="49" charset="0"/>
             </a:endParaRPr>
@@ -5386,7 +5202,7 @@
         </p:nvSpPr>
         <p:spPr>
           <a:xfrm>
-            <a:off x="696418" y="1896024"/>
+            <a:off x="444038" y="308962"/>
             <a:ext cx="3323667" cy="369332"/>
           </a:xfrm>
           <a:prstGeom prst="rect">
@@ -5401,23 +5217,15 @@
           <a:lstStyle/>
           <a:p>
             <a:r>
-              <a:rPr lang="fr-FR" sz="1600" b="1" dirty="0" err="1">
+              <a:rPr lang="en-US" sz="1600" b="1" dirty="0" err="1">
                 <a:latin typeface="Courier New" panose="02070309020205020404" pitchFamily="49" charset="0"/>
                 <a:cs typeface="Courier New" panose="02070309020205020404" pitchFamily="49" charset="0"/>
               </a:rPr>
               <a:t>ascli</a:t>
             </a:r>
             <a:r>
-              <a:rPr lang="fr-FR" dirty="0"/>
-              <a:t> and </a:t>
-            </a:r>
-            <a:r>
-              <a:rPr lang="fr-FR" dirty="0" err="1"/>
-              <a:t>external</a:t>
-            </a:r>
-            <a:r>
-              <a:rPr lang="fr-FR" dirty="0"/>
-              <a:t> components</a:t>
+              <a:rPr lang="en-US" dirty="0"/>
+              <a:t> and external components</a:t>
             </a:r>
           </a:p>
         </p:txBody>
@@ -5470,7 +5278,7 @@
           <a:p>
             <a:pPr algn="ctr"/>
             <a:r>
-              <a:rPr lang="fr-FR" dirty="0">
+              <a:rPr lang="en-US">
                 <a:solidFill>
                   <a:schemeClr val="bg1"/>
                 </a:solidFill>
@@ -5531,7 +5339,7 @@
           <a:p>
             <a:pPr algn="ctr"/>
             <a:r>
-              <a:rPr lang="fr-FR" dirty="0">
+              <a:rPr lang="en-US">
                 <a:solidFill>
                   <a:schemeClr val="bg1"/>
                 </a:solidFill>
@@ -5541,128 +5349,286 @@
           </a:p>
         </p:txBody>
       </p:sp>
-      <p:sp>
-        <p:nvSpPr>
-          <p:cNvPr id="27" name="Rectangle : coins arrondis 26">
-            <a:extLst>
-              <a:ext uri="{FF2B5EF4-FFF2-40B4-BE49-F238E27FC236}">
-                <a16:creationId xmlns:a16="http://schemas.microsoft.com/office/drawing/2014/main" id="{6A29A132-70A7-0BE9-3031-AE34B476840B}"/>
-              </a:ext>
-            </a:extLst>
-          </p:cNvPr>
-          <p:cNvSpPr/>
+      <p:grpSp>
+        <p:nvGrpSpPr>
+          <p:cNvPr id="20" name="Groupe 19">
+            <a:extLst>
+              <a:ext uri="{FF2B5EF4-FFF2-40B4-BE49-F238E27FC236}">
+                <a16:creationId xmlns:a16="http://schemas.microsoft.com/office/drawing/2014/main" id="{BF2984BE-A2C3-C0EA-C70A-B000A8BF0069}"/>
+              </a:ext>
+            </a:extLst>
+          </p:cNvPr>
+          <p:cNvGrpSpPr/>
           <p:nvPr/>
-        </p:nvSpPr>
-        <p:spPr>
+        </p:nvGrpSpPr>
+        <p:grpSpPr>
           <a:xfrm>
-            <a:off x="11152607" y="890071"/>
-            <a:ext cx="152404" cy="296663"/>
-          </a:xfrm>
-          <a:prstGeom prst="roundRect">
-            <a:avLst>
-              <a:gd name="adj" fmla="val 34928"/>
-            </a:avLst>
-          </a:prstGeom>
-          <a:solidFill>
-            <a:schemeClr val="tx1"/>
-          </a:solidFill>
-          <a:ln>
-            <a:noFill/>
-          </a:ln>
-        </p:spPr>
-        <p:style>
-          <a:lnRef idx="2">
-            <a:schemeClr val="accent1">
-              <a:shade val="50000"/>
-            </a:schemeClr>
-          </a:lnRef>
-          <a:fillRef idx="1">
-            <a:schemeClr val="accent1"/>
-          </a:fillRef>
-          <a:effectRef idx="0">
-            <a:schemeClr val="accent1"/>
-          </a:effectRef>
-          <a:fontRef idx="minor">
-            <a:schemeClr val="lt1"/>
-          </a:fontRef>
-        </p:style>
-        <p:txBody>
-          <a:bodyPr rtlCol="0" anchor="ctr"/>
-          <a:lstStyle/>
-          <a:p>
-            <a:pPr algn="ctr"/>
-            <a:r>
-              <a:rPr lang="fr-FR" dirty="0">
-                <a:solidFill>
-                  <a:schemeClr val="bg1"/>
-                </a:solidFill>
-              </a:rPr>
-              <a:t>F</a:t>
-            </a:r>
-          </a:p>
-        </p:txBody>
-      </p:sp>
-      <p:sp>
-        <p:nvSpPr>
-          <p:cNvPr id="29" name="Rectangle : coins arrondis 28">
-            <a:extLst>
-              <a:ext uri="{FF2B5EF4-FFF2-40B4-BE49-F238E27FC236}">
-                <a16:creationId xmlns:a16="http://schemas.microsoft.com/office/drawing/2014/main" id="{208740A6-94D5-FC65-DB8A-A5271F3E1F03}"/>
-              </a:ext>
-            </a:extLst>
-          </p:cNvPr>
-          <p:cNvSpPr/>
+            <a:off x="9771080" y="2645292"/>
+            <a:ext cx="1533931" cy="296663"/>
+            <a:chOff x="9771080" y="2645292"/>
+            <a:chExt cx="1533931" cy="296663"/>
+          </a:xfrm>
+        </p:grpSpPr>
+        <p:sp>
+          <p:nvSpPr>
+            <p:cNvPr id="48" name="Rectangle : coins arrondis 47">
+              <a:extLst>
+                <a:ext uri="{FF2B5EF4-FFF2-40B4-BE49-F238E27FC236}">
+                  <a16:creationId xmlns:a16="http://schemas.microsoft.com/office/drawing/2014/main" id="{BA3DDF2C-CB65-3F46-9D2F-B625A5D1FFC3}"/>
+                </a:ext>
+              </a:extLst>
+            </p:cNvPr>
+            <p:cNvSpPr/>
+            <p:nvPr/>
+          </p:nvSpPr>
+          <p:spPr>
+            <a:xfrm>
+              <a:off x="9771080" y="2647323"/>
+              <a:ext cx="1526271" cy="288000"/>
+            </a:xfrm>
+            <a:prstGeom prst="roundRect">
+              <a:avLst/>
+            </a:prstGeom>
+            <a:solidFill>
+              <a:schemeClr val="accent1">
+                <a:lumMod val="75000"/>
+              </a:schemeClr>
+            </a:solidFill>
+          </p:spPr>
+          <p:style>
+            <a:lnRef idx="2">
+              <a:schemeClr val="accent1">
+                <a:shade val="50000"/>
+              </a:schemeClr>
+            </a:lnRef>
+            <a:fillRef idx="1">
+              <a:schemeClr val="accent1"/>
+            </a:fillRef>
+            <a:effectRef idx="0">
+              <a:schemeClr val="accent1"/>
+            </a:effectRef>
+            <a:fontRef idx="minor">
+              <a:schemeClr val="lt1"/>
+            </a:fontRef>
+          </p:style>
+          <p:txBody>
+            <a:bodyPr rtlCol="0" anchor="ctr"/>
+            <a:lstStyle/>
+            <a:p>
+              <a:pPr algn="ctr"/>
+              <a:r>
+                <a:rPr lang="en-US">
+                  <a:solidFill>
+                    <a:schemeClr val="bg1"/>
+                  </a:solidFill>
+                </a:rPr>
+                <a:t>COS</a:t>
+              </a:r>
+            </a:p>
+          </p:txBody>
+        </p:sp>
+        <p:sp>
+          <p:nvSpPr>
+            <p:cNvPr id="27" name="Rectangle : coins arrondis 26">
+              <a:extLst>
+                <a:ext uri="{FF2B5EF4-FFF2-40B4-BE49-F238E27FC236}">
+                  <a16:creationId xmlns:a16="http://schemas.microsoft.com/office/drawing/2014/main" id="{6A29A132-70A7-0BE9-3031-AE34B476840B}"/>
+                </a:ext>
+              </a:extLst>
+            </p:cNvPr>
+            <p:cNvSpPr/>
+            <p:nvPr/>
+          </p:nvSpPr>
+          <p:spPr>
+            <a:xfrm>
+              <a:off x="11152607" y="2645292"/>
+              <a:ext cx="152404" cy="296663"/>
+            </a:xfrm>
+            <a:prstGeom prst="roundRect">
+              <a:avLst>
+                <a:gd name="adj" fmla="val 34928"/>
+              </a:avLst>
+            </a:prstGeom>
+            <a:solidFill>
+              <a:schemeClr val="tx1"/>
+            </a:solidFill>
+            <a:ln>
+              <a:noFill/>
+            </a:ln>
+          </p:spPr>
+          <p:style>
+            <a:lnRef idx="2">
+              <a:schemeClr val="accent1">
+                <a:shade val="50000"/>
+              </a:schemeClr>
+            </a:lnRef>
+            <a:fillRef idx="1">
+              <a:schemeClr val="accent1"/>
+            </a:fillRef>
+            <a:effectRef idx="0">
+              <a:schemeClr val="accent1"/>
+            </a:effectRef>
+            <a:fontRef idx="minor">
+              <a:schemeClr val="lt1"/>
+            </a:fontRef>
+          </p:style>
+          <p:txBody>
+            <a:bodyPr rtlCol="0" anchor="ctr"/>
+            <a:lstStyle/>
+            <a:p>
+              <a:pPr algn="ctr"/>
+              <a:r>
+                <a:rPr lang="en-US">
+                  <a:solidFill>
+                    <a:schemeClr val="bg1"/>
+                  </a:solidFill>
+                </a:rPr>
+                <a:t>F</a:t>
+              </a:r>
+            </a:p>
+          </p:txBody>
+        </p:sp>
+      </p:grpSp>
+      <p:grpSp>
+        <p:nvGrpSpPr>
+          <p:cNvPr id="24" name="Groupe 23">
+            <a:extLst>
+              <a:ext uri="{FF2B5EF4-FFF2-40B4-BE49-F238E27FC236}">
+                <a16:creationId xmlns:a16="http://schemas.microsoft.com/office/drawing/2014/main" id="{783B91C9-B576-AE6C-E744-79B62334ABFC}"/>
+              </a:ext>
+            </a:extLst>
+          </p:cNvPr>
+          <p:cNvGrpSpPr/>
           <p:nvPr/>
-        </p:nvSpPr>
-        <p:spPr>
+        </p:nvGrpSpPr>
+        <p:grpSpPr>
           <a:xfrm>
-            <a:off x="11148923" y="1330937"/>
-            <a:ext cx="152404" cy="296663"/>
-          </a:xfrm>
-          <a:prstGeom prst="roundRect">
-            <a:avLst>
-              <a:gd name="adj" fmla="val 34928"/>
-            </a:avLst>
-          </a:prstGeom>
-          <a:solidFill>
-            <a:schemeClr val="tx1"/>
-          </a:solidFill>
-          <a:ln>
-            <a:noFill/>
-          </a:ln>
-        </p:spPr>
-        <p:style>
-          <a:lnRef idx="2">
-            <a:schemeClr val="accent1">
-              <a:shade val="50000"/>
-            </a:schemeClr>
-          </a:lnRef>
-          <a:fillRef idx="1">
-            <a:schemeClr val="accent1"/>
-          </a:fillRef>
-          <a:effectRef idx="0">
-            <a:schemeClr val="accent1"/>
-          </a:effectRef>
-          <a:fontRef idx="minor">
-            <a:schemeClr val="lt1"/>
-          </a:fontRef>
-        </p:style>
-        <p:txBody>
-          <a:bodyPr rtlCol="0" anchor="ctr"/>
-          <a:lstStyle/>
-          <a:p>
-            <a:pPr algn="ctr"/>
-            <a:r>
-              <a:rPr lang="fr-FR" dirty="0">
-                <a:solidFill>
-                  <a:schemeClr val="bg1"/>
-                </a:solidFill>
-              </a:rPr>
-              <a:t>F</a:t>
-            </a:r>
-          </a:p>
-        </p:txBody>
-      </p:sp>
+            <a:off x="9771081" y="3086158"/>
+            <a:ext cx="1530246" cy="296663"/>
+            <a:chOff x="9771081" y="3086158"/>
+            <a:chExt cx="1530246" cy="296663"/>
+          </a:xfrm>
+        </p:grpSpPr>
+        <p:sp>
+          <p:nvSpPr>
+            <p:cNvPr id="16" name="Rectangle : coins arrondis 15">
+              <a:extLst>
+                <a:ext uri="{FF2B5EF4-FFF2-40B4-BE49-F238E27FC236}">
+                  <a16:creationId xmlns:a16="http://schemas.microsoft.com/office/drawing/2014/main" id="{1A2AD1D9-9CD2-1A41-972F-E4FB7E4F2655}"/>
+                </a:ext>
+              </a:extLst>
+            </p:cNvPr>
+            <p:cNvSpPr/>
+            <p:nvPr/>
+          </p:nvSpPr>
+          <p:spPr>
+            <a:xfrm>
+              <a:off x="9771081" y="3089878"/>
+              <a:ext cx="1526271" cy="288000"/>
+            </a:xfrm>
+            <a:prstGeom prst="roundRect">
+              <a:avLst/>
+            </a:prstGeom>
+            <a:solidFill>
+              <a:schemeClr val="accent1">
+                <a:lumMod val="75000"/>
+              </a:schemeClr>
+            </a:solidFill>
+          </p:spPr>
+          <p:style>
+            <a:lnRef idx="2">
+              <a:schemeClr val="accent1">
+                <a:shade val="50000"/>
+              </a:schemeClr>
+            </a:lnRef>
+            <a:fillRef idx="1">
+              <a:schemeClr val="accent1"/>
+            </a:fillRef>
+            <a:effectRef idx="0">
+              <a:schemeClr val="accent1"/>
+            </a:effectRef>
+            <a:fontRef idx="minor">
+              <a:schemeClr val="lt1"/>
+            </a:fontRef>
+          </p:style>
+          <p:txBody>
+            <a:bodyPr rtlCol="0" anchor="ctr"/>
+            <a:lstStyle/>
+            <a:p>
+              <a:pPr algn="ctr"/>
+              <a:r>
+                <a:rPr lang="en-US">
+                  <a:solidFill>
+                    <a:schemeClr val="bg1"/>
+                  </a:solidFill>
+                </a:rPr>
+                <a:t>AoC/ATS</a:t>
+              </a:r>
+            </a:p>
+          </p:txBody>
+        </p:sp>
+        <p:sp>
+          <p:nvSpPr>
+            <p:cNvPr id="29" name="Rectangle : coins arrondis 28">
+              <a:extLst>
+                <a:ext uri="{FF2B5EF4-FFF2-40B4-BE49-F238E27FC236}">
+                  <a16:creationId xmlns:a16="http://schemas.microsoft.com/office/drawing/2014/main" id="{208740A6-94D5-FC65-DB8A-A5271F3E1F03}"/>
+                </a:ext>
+              </a:extLst>
+            </p:cNvPr>
+            <p:cNvSpPr/>
+            <p:nvPr/>
+          </p:nvSpPr>
+          <p:spPr>
+            <a:xfrm>
+              <a:off x="11148923" y="3086158"/>
+              <a:ext cx="152404" cy="296663"/>
+            </a:xfrm>
+            <a:prstGeom prst="roundRect">
+              <a:avLst>
+                <a:gd name="adj" fmla="val 34928"/>
+              </a:avLst>
+            </a:prstGeom>
+            <a:solidFill>
+              <a:schemeClr val="tx1"/>
+            </a:solidFill>
+            <a:ln>
+              <a:noFill/>
+            </a:ln>
+          </p:spPr>
+          <p:style>
+            <a:lnRef idx="2">
+              <a:schemeClr val="accent1">
+                <a:shade val="50000"/>
+              </a:schemeClr>
+            </a:lnRef>
+            <a:fillRef idx="1">
+              <a:schemeClr val="accent1"/>
+            </a:fillRef>
+            <a:effectRef idx="0">
+              <a:schemeClr val="accent1"/>
+            </a:effectRef>
+            <a:fontRef idx="minor">
+              <a:schemeClr val="lt1"/>
+            </a:fontRef>
+          </p:style>
+          <p:txBody>
+            <a:bodyPr rtlCol="0" anchor="ctr"/>
+            <a:lstStyle/>
+            <a:p>
+              <a:pPr algn="ctr"/>
+              <a:r>
+                <a:rPr lang="en-US">
+                  <a:solidFill>
+                    <a:schemeClr val="bg1"/>
+                  </a:solidFill>
+                </a:rPr>
+                <a:t>F</a:t>
+              </a:r>
+            </a:p>
+          </p:txBody>
+        </p:sp>
+      </p:grpSp>
       <p:cxnSp>
         <p:nvCxnSpPr>
           <p:cNvPr id="2" name="Connecteur droit avec flèche 1">
@@ -5769,8 +5735,8 @@
         </p:nvSpPr>
         <p:spPr>
           <a:xfrm>
-            <a:off x="819206" y="4147903"/>
-            <a:ext cx="780919" cy="369332"/>
+            <a:off x="858395" y="4147903"/>
+            <a:ext cx="596253" cy="276999"/>
           </a:xfrm>
           <a:prstGeom prst="rect">
             <a:avLst/>
@@ -5778,13 +5744,13 @@
           <a:noFill/>
         </p:spPr>
         <p:txBody>
-          <a:bodyPr wrap="none" rtlCol="0">
+          <a:bodyPr wrap="none" lIns="0" tIns="0" rIns="0" bIns="0" rtlCol="0">
             <a:spAutoFit/>
           </a:bodyPr>
           <a:lstStyle/>
           <a:p>
             <a:r>
-              <a:rPr lang="fr-FR" dirty="0"/>
+              <a:rPr lang="en-US" dirty="0"/>
               <a:t>HTTPS</a:t>
             </a:r>
           </a:p>
@@ -5849,8 +5815,8 @@
         </p:nvSpPr>
         <p:spPr>
           <a:xfrm>
-            <a:off x="819206" y="4499498"/>
-            <a:ext cx="634982" cy="369332"/>
+            <a:off x="858395" y="4499498"/>
+            <a:ext cx="1546001" cy="276999"/>
           </a:xfrm>
           <a:prstGeom prst="rect">
             <a:avLst/>
@@ -5858,14 +5824,14 @@
           <a:noFill/>
         </p:spPr>
         <p:txBody>
-          <a:bodyPr wrap="none" rtlCol="0">
+          <a:bodyPr wrap="none" lIns="0" tIns="0" rIns="0" bIns="0" rtlCol="0">
             <a:spAutoFit/>
           </a:bodyPr>
           <a:lstStyle/>
           <a:p>
             <a:r>
-              <a:rPr lang="fr-FR" dirty="0"/>
-              <a:t>FASP</a:t>
+              <a:rPr lang="en-US" dirty="0"/>
+              <a:t>F ASP (TCP/UDP)</a:t>
             </a:r>
           </a:p>
         </p:txBody>
@@ -5929,8 +5895,8 @@
         </p:nvSpPr>
         <p:spPr>
           <a:xfrm>
-            <a:off x="812984" y="4801189"/>
-            <a:ext cx="660758" cy="369332"/>
+            <a:off x="852173" y="4801189"/>
+            <a:ext cx="476092" cy="276999"/>
           </a:xfrm>
           <a:prstGeom prst="rect">
             <a:avLst/>
@@ -5938,16 +5904,16 @@
           <a:noFill/>
         </p:spPr>
         <p:txBody>
-          <a:bodyPr wrap="none" rtlCol="0">
+          <a:bodyPr wrap="none" lIns="0" tIns="0" rIns="0" bIns="0" rtlCol="0">
             <a:spAutoFit/>
           </a:bodyPr>
           <a:lstStyle/>
           <a:p>
             <a:r>
-              <a:rPr lang="fr-FR" dirty="0" err="1"/>
+              <a:rPr lang="en-US" dirty="0" err="1"/>
               <a:t>gRPC</a:t>
             </a:r>
-            <a:endParaRPr lang="fr-FR" dirty="0"/>
+            <a:endParaRPr lang="en-US" dirty="0"/>
           </a:p>
         </p:txBody>
       </p:sp>
@@ -6018,8 +5984,8 @@
         </p:nvCxnSpPr>
         <p:spPr>
           <a:xfrm flipV="1">
-            <a:off x="8996857" y="1479269"/>
-            <a:ext cx="2304470" cy="3377168"/>
+            <a:off x="8996857" y="3234490"/>
+            <a:ext cx="2304470" cy="1621947"/>
           </a:xfrm>
           <a:prstGeom prst="bentConnector3">
             <a:avLst>
@@ -6067,8 +6033,8 @@
         </p:nvCxnSpPr>
         <p:spPr>
           <a:xfrm flipV="1">
-            <a:off x="8996857" y="1038403"/>
-            <a:ext cx="2308154" cy="3818034"/>
+            <a:off x="8996857" y="2793624"/>
+            <a:ext cx="2308154" cy="2062813"/>
           </a:xfrm>
           <a:prstGeom prst="bentConnector3">
             <a:avLst>
@@ -6112,7 +6078,7 @@
         </p:nvSpPr>
         <p:spPr>
           <a:xfrm>
-            <a:off x="853151" y="4535831"/>
+            <a:off x="843788" y="4479187"/>
             <a:ext cx="152404" cy="296663"/>
           </a:xfrm>
           <a:prstGeom prst="roundRect">
@@ -6149,7 +6115,7 @@
           <a:p>
             <a:pPr algn="ctr"/>
             <a:r>
-              <a:rPr lang="fr-FR" dirty="0">
+              <a:rPr lang="en-US" dirty="0">
                 <a:solidFill>
                   <a:schemeClr val="bg1"/>
                 </a:solidFill>

--- a/docs/architecture.pptx
+++ b/docs/architecture.pptx
@@ -197,7 +197,7 @@
           <a:p>
             <a:fld id="{79309FBD-CAB8-8D42-92FA-7D85CA9D2673}" type="datetimeFigureOut">
               <a:rPr lang="fr-FR" smtClean="0"/>
-              <a:t>25/01/2024</a:t>
+              <a:t>05/04/2024</a:t>
             </a:fld>
             <a:endParaRPr lang="fr-FR"/>
           </a:p>
@@ -695,7 +695,7 @@
           <a:p>
             <a:fld id="{BE92FF89-6B05-5E4D-B0C9-9983E1513752}" type="datetimeFigureOut">
               <a:rPr lang="fr-FR" smtClean="0"/>
-              <a:t>25/01/2024</a:t>
+              <a:t>05/04/2024</a:t>
             </a:fld>
             <a:endParaRPr lang="fr-FR"/>
           </a:p>
@@ -893,7 +893,7 @@
           <a:p>
             <a:fld id="{BE92FF89-6B05-5E4D-B0C9-9983E1513752}" type="datetimeFigureOut">
               <a:rPr lang="fr-FR" smtClean="0"/>
-              <a:t>25/01/2024</a:t>
+              <a:t>05/04/2024</a:t>
             </a:fld>
             <a:endParaRPr lang="fr-FR"/>
           </a:p>
@@ -1101,7 +1101,7 @@
           <a:p>
             <a:fld id="{BE92FF89-6B05-5E4D-B0C9-9983E1513752}" type="datetimeFigureOut">
               <a:rPr lang="fr-FR" smtClean="0"/>
-              <a:t>25/01/2024</a:t>
+              <a:t>05/04/2024</a:t>
             </a:fld>
             <a:endParaRPr lang="fr-FR"/>
           </a:p>
@@ -1299,7 +1299,7 @@
           <a:p>
             <a:fld id="{BE92FF89-6B05-5E4D-B0C9-9983E1513752}" type="datetimeFigureOut">
               <a:rPr lang="fr-FR" smtClean="0"/>
-              <a:t>25/01/2024</a:t>
+              <a:t>05/04/2024</a:t>
             </a:fld>
             <a:endParaRPr lang="fr-FR"/>
           </a:p>
@@ -1574,7 +1574,7 @@
           <a:p>
             <a:fld id="{BE92FF89-6B05-5E4D-B0C9-9983E1513752}" type="datetimeFigureOut">
               <a:rPr lang="fr-FR" smtClean="0"/>
-              <a:t>25/01/2024</a:t>
+              <a:t>05/04/2024</a:t>
             </a:fld>
             <a:endParaRPr lang="fr-FR"/>
           </a:p>
@@ -1839,7 +1839,7 @@
           <a:p>
             <a:fld id="{BE92FF89-6B05-5E4D-B0C9-9983E1513752}" type="datetimeFigureOut">
               <a:rPr lang="fr-FR" smtClean="0"/>
-              <a:t>25/01/2024</a:t>
+              <a:t>05/04/2024</a:t>
             </a:fld>
             <a:endParaRPr lang="fr-FR"/>
           </a:p>
@@ -2251,7 +2251,7 @@
           <a:p>
             <a:fld id="{BE92FF89-6B05-5E4D-B0C9-9983E1513752}" type="datetimeFigureOut">
               <a:rPr lang="fr-FR" smtClean="0"/>
-              <a:t>25/01/2024</a:t>
+              <a:t>05/04/2024</a:t>
             </a:fld>
             <a:endParaRPr lang="fr-FR"/>
           </a:p>
@@ -2392,7 +2392,7 @@
           <a:p>
             <a:fld id="{BE92FF89-6B05-5E4D-B0C9-9983E1513752}" type="datetimeFigureOut">
               <a:rPr lang="fr-FR" smtClean="0"/>
-              <a:t>25/01/2024</a:t>
+              <a:t>05/04/2024</a:t>
             </a:fld>
             <a:endParaRPr lang="fr-FR"/>
           </a:p>
@@ -2505,7 +2505,7 @@
           <a:p>
             <a:fld id="{BE92FF89-6B05-5E4D-B0C9-9983E1513752}" type="datetimeFigureOut">
               <a:rPr lang="fr-FR" smtClean="0"/>
-              <a:t>25/01/2024</a:t>
+              <a:t>05/04/2024</a:t>
             </a:fld>
             <a:endParaRPr lang="fr-FR"/>
           </a:p>
@@ -2816,7 +2816,7 @@
           <a:p>
             <a:fld id="{BE92FF89-6B05-5E4D-B0C9-9983E1513752}" type="datetimeFigureOut">
               <a:rPr lang="fr-FR" smtClean="0"/>
-              <a:t>25/01/2024</a:t>
+              <a:t>05/04/2024</a:t>
             </a:fld>
             <a:endParaRPr lang="fr-FR"/>
           </a:p>
@@ -3104,7 +3104,7 @@
           <a:p>
             <a:fld id="{BE92FF89-6B05-5E4D-B0C9-9983E1513752}" type="datetimeFigureOut">
               <a:rPr lang="fr-FR" smtClean="0"/>
-              <a:t>25/01/2024</a:t>
+              <a:t>05/04/2024</a:t>
             </a:fld>
             <a:endParaRPr lang="fr-FR"/>
           </a:p>
@@ -3345,7 +3345,7 @@
           <a:p>
             <a:fld id="{BE92FF89-6B05-5E4D-B0C9-9983E1513752}" type="datetimeFigureOut">
               <a:rPr lang="fr-FR" smtClean="0"/>
-              <a:t>25/01/2024</a:t>
+              <a:t>05/04/2024</a:t>
             </a:fld>
             <a:endParaRPr lang="fr-FR"/>
           </a:p>
@@ -3776,7 +3776,7 @@
         </p:nvSpPr>
         <p:spPr>
           <a:xfrm>
-            <a:off x="3689131" y="4713681"/>
+            <a:off x="1213801" y="4587723"/>
             <a:ext cx="2123090" cy="288000"/>
           </a:xfrm>
           <a:prstGeom prst="roundRect">
@@ -3834,8 +3834,8 @@
         </p:nvSpPr>
         <p:spPr>
           <a:xfrm>
-            <a:off x="3689131" y="5002925"/>
-            <a:ext cx="4508938" cy="288000"/>
+            <a:off x="1213801" y="4876967"/>
+            <a:ext cx="6078264" cy="288000"/>
           </a:xfrm>
           <a:prstGeom prst="roundRect">
             <a:avLst/>
@@ -3892,8 +3892,8 @@
         </p:nvSpPr>
         <p:spPr>
           <a:xfrm>
-            <a:off x="5812221" y="4712437"/>
-            <a:ext cx="3184636" cy="288000"/>
+            <a:off x="3336890" y="4586479"/>
+            <a:ext cx="3958859" cy="288000"/>
           </a:xfrm>
           <a:prstGeom prst="roundRect">
             <a:avLst/>
@@ -3903,6 +3903,13 @@
               <a:lumMod val="75000"/>
             </a:schemeClr>
           </a:solidFill>
+          <a:ln>
+            <a:solidFill>
+              <a:schemeClr val="accent1">
+                <a:lumMod val="50000"/>
+              </a:schemeClr>
+            </a:solidFill>
+          </a:ln>
         </p:spPr>
         <p:style>
           <a:lnRef idx="2">
@@ -3921,27 +3928,26 @@
           </a:fontRef>
         </p:style>
         <p:txBody>
-          <a:bodyPr rtlCol="0" anchor="ctr"/>
+          <a:bodyPr lIns="0" tIns="0" rIns="0" bIns="0" rtlCol="0" anchor="ctr"/>
           <a:lstStyle/>
           <a:p>
             <a:pPr algn="ctr"/>
             <a:r>
-              <a:rPr lang="en-US" sz="1600" b="1">
+              <a:rPr lang="en-US" dirty="0" err="1">
                 <a:solidFill>
                   <a:schemeClr val="bg1"/>
                 </a:solidFill>
-                <a:latin typeface="Courier New" panose="02070309020205020404" pitchFamily="49" charset="0"/>
-                <a:cs typeface="Courier New" panose="02070309020205020404" pitchFamily="49" charset="0"/>
               </a:rPr>
               <a:t>ascp</a:t>
             </a:r>
-            <a:endParaRPr lang="en-US" b="1">
-              <a:solidFill>
-                <a:schemeClr val="bg1"/>
-              </a:solidFill>
-              <a:latin typeface="Courier New" panose="02070309020205020404" pitchFamily="49" charset="0"/>
-              <a:cs typeface="Courier New" panose="02070309020205020404" pitchFamily="49" charset="0"/>
-            </a:endParaRPr>
+            <a:r>
+              <a:rPr lang="en-US" dirty="0">
+                <a:solidFill>
+                  <a:schemeClr val="bg1"/>
+                </a:solidFill>
+              </a:rPr>
+              <a:t> (client)</a:t>
+            </a:r>
           </a:p>
         </p:txBody>
       </p:sp>
@@ -3959,7 +3965,7 @@
         </p:nvSpPr>
         <p:spPr>
           <a:xfrm>
-            <a:off x="4219903" y="4424568"/>
+            <a:off x="1744573" y="4298610"/>
             <a:ext cx="1061545" cy="288000"/>
           </a:xfrm>
           <a:prstGeom prst="roundRect">
@@ -4017,7 +4023,7 @@
         </p:nvSpPr>
         <p:spPr>
           <a:xfrm>
-            <a:off x="3689131" y="3125278"/>
+            <a:off x="2605851" y="2958570"/>
             <a:ext cx="2123090" cy="607443"/>
           </a:xfrm>
           <a:prstGeom prst="roundRect">
@@ -4090,8 +4096,8 @@
         </p:nvSpPr>
         <p:spPr>
           <a:xfrm>
-            <a:off x="6127533" y="4415774"/>
-            <a:ext cx="746234" cy="288000"/>
+            <a:off x="3545200" y="4294680"/>
+            <a:ext cx="574824" cy="288000"/>
           </a:xfrm>
           <a:prstGeom prst="roundRect">
             <a:avLst/>
@@ -4101,6 +4107,13 @@
               <a:lumMod val="75000"/>
             </a:schemeClr>
           </a:solidFill>
+          <a:ln>
+            <a:solidFill>
+              <a:schemeClr val="accent1">
+                <a:lumMod val="50000"/>
+              </a:schemeClr>
+            </a:solidFill>
+          </a:ln>
         </p:spPr>
         <p:style>
           <a:lnRef idx="2">
@@ -4119,18 +4132,23 @@
           </a:fontRef>
         </p:style>
         <p:txBody>
-          <a:bodyPr rtlCol="0" anchor="ctr"/>
+          <a:bodyPr lIns="0" tIns="0" rIns="0" bIns="0" rtlCol="0" anchor="ctr"/>
           <a:lstStyle/>
           <a:p>
             <a:pPr algn="ctr"/>
             <a:r>
-              <a:rPr lang="en-US">
+              <a:rPr lang="en-US" dirty="0" err="1">
                 <a:solidFill>
                   <a:schemeClr val="bg1"/>
                 </a:solidFill>
               </a:rPr>
               <a:t>trSDK</a:t>
             </a:r>
+            <a:endParaRPr lang="en-US" dirty="0">
+              <a:solidFill>
+                <a:schemeClr val="bg1"/>
+              </a:solidFill>
+            </a:endParaRPr>
           </a:p>
         </p:txBody>
       </p:sp>
@@ -4148,8 +4166,8 @@
         </p:nvSpPr>
         <p:spPr>
           <a:xfrm>
-            <a:off x="6877743" y="4424568"/>
-            <a:ext cx="1010584" cy="288000"/>
+            <a:off x="4126124" y="4294680"/>
+            <a:ext cx="864161" cy="288000"/>
           </a:xfrm>
           <a:prstGeom prst="roundRect">
             <a:avLst/>
@@ -4159,6 +4177,13 @@
               <a:lumMod val="75000"/>
             </a:schemeClr>
           </a:solidFill>
+          <a:ln>
+            <a:solidFill>
+              <a:schemeClr val="accent1">
+                <a:lumMod val="50000"/>
+              </a:schemeClr>
+            </a:solidFill>
+          </a:ln>
         </p:spPr>
         <p:style>
           <a:lnRef idx="2">
@@ -4177,12 +4202,12 @@
           </a:fontRef>
         </p:style>
         <p:txBody>
-          <a:bodyPr rtlCol="0" anchor="ctr"/>
+          <a:bodyPr lIns="0" tIns="0" rIns="0" bIns="0" rtlCol="0" anchor="ctr"/>
           <a:lstStyle/>
           <a:p>
             <a:pPr algn="ctr"/>
             <a:r>
-              <a:rPr lang="en-US">
+              <a:rPr lang="en-US" dirty="0">
                 <a:solidFill>
                   <a:schemeClr val="bg1"/>
                 </a:solidFill>
@@ -4206,7 +4231,7 @@
         </p:nvSpPr>
         <p:spPr>
           <a:xfrm>
-            <a:off x="9771084" y="3510166"/>
+            <a:off x="7942284" y="3887356"/>
             <a:ext cx="1526271" cy="288000"/>
           </a:xfrm>
           <a:prstGeom prst="roundRect">
@@ -4264,7 +4289,7 @@
         </p:nvSpPr>
         <p:spPr>
           <a:xfrm>
-            <a:off x="7931780" y="2219953"/>
+            <a:off x="7931780" y="1957063"/>
             <a:ext cx="1526271" cy="288000"/>
           </a:xfrm>
           <a:prstGeom prst="roundRect">
@@ -4298,7 +4323,7 @@
           <a:p>
             <a:pPr algn="ctr"/>
             <a:r>
-              <a:rPr lang="en-US">
+              <a:rPr lang="en-US" dirty="0">
                 <a:solidFill>
                   <a:schemeClr val="bg1"/>
                 </a:solidFill>
@@ -4322,7 +4347,7 @@
         </p:nvSpPr>
         <p:spPr>
           <a:xfrm>
-            <a:off x="7931780" y="1767722"/>
+            <a:off x="7931780" y="1504832"/>
             <a:ext cx="1526271" cy="288000"/>
           </a:xfrm>
           <a:prstGeom prst="roundRect">
@@ -4380,7 +4405,7 @@
         </p:nvSpPr>
         <p:spPr>
           <a:xfrm>
-            <a:off x="7931780" y="1336085"/>
+            <a:off x="7931780" y="1073195"/>
             <a:ext cx="1526271" cy="288000"/>
           </a:xfrm>
           <a:prstGeom prst="roundRect">
@@ -4438,7 +4463,7 @@
         </p:nvSpPr>
         <p:spPr>
           <a:xfrm>
-            <a:off x="7931780" y="904448"/>
+            <a:off x="7931780" y="641558"/>
             <a:ext cx="1526271" cy="288000"/>
           </a:xfrm>
           <a:prstGeom prst="roundRect">
@@ -4498,9 +4523,9 @@
           <p:nvPr/>
         </p:nvCxnSpPr>
         <p:spPr>
-          <a:xfrm flipV="1">
-            <a:off x="5812221" y="3233878"/>
-            <a:ext cx="3958860" cy="195122"/>
+          <a:xfrm>
+            <a:off x="4728941" y="3262292"/>
+            <a:ext cx="3213340" cy="348776"/>
           </a:xfrm>
           <a:prstGeom prst="straightConnector1">
             <a:avLst/>
@@ -4546,8 +4571,8 @@
         </p:nvCxnSpPr>
         <p:spPr>
           <a:xfrm flipV="1">
-            <a:off x="5812221" y="1048448"/>
-            <a:ext cx="2119559" cy="2380552"/>
+            <a:off x="4728941" y="785558"/>
+            <a:ext cx="3202839" cy="2476734"/>
           </a:xfrm>
           <a:prstGeom prst="straightConnector1">
             <a:avLst/>
@@ -4593,8 +4618,8 @@
         </p:nvCxnSpPr>
         <p:spPr>
           <a:xfrm flipV="1">
-            <a:off x="5812221" y="1480085"/>
-            <a:ext cx="2119559" cy="1948915"/>
+            <a:off x="4728941" y="1217195"/>
+            <a:ext cx="3202839" cy="2045097"/>
           </a:xfrm>
           <a:prstGeom prst="straightConnector1">
             <a:avLst/>
@@ -4640,8 +4665,8 @@
         </p:nvCxnSpPr>
         <p:spPr>
           <a:xfrm flipV="1">
-            <a:off x="5812221" y="1911722"/>
-            <a:ext cx="2119559" cy="1517278"/>
+            <a:off x="4728941" y="1648832"/>
+            <a:ext cx="3202839" cy="1613460"/>
           </a:xfrm>
           <a:prstGeom prst="straightConnector1">
             <a:avLst/>
@@ -4687,8 +4712,8 @@
         </p:nvCxnSpPr>
         <p:spPr>
           <a:xfrm flipV="1">
-            <a:off x="5812221" y="2363953"/>
-            <a:ext cx="2119559" cy="1065047"/>
+            <a:off x="4728941" y="2101063"/>
+            <a:ext cx="3202839" cy="1161229"/>
           </a:xfrm>
           <a:prstGeom prst="straightConnector1">
             <a:avLst/>
@@ -4734,8 +4759,8 @@
         </p:nvCxnSpPr>
         <p:spPr>
           <a:xfrm>
-            <a:off x="5812221" y="3429000"/>
-            <a:ext cx="3958863" cy="225166"/>
+            <a:off x="4728941" y="3262292"/>
+            <a:ext cx="3213343" cy="769064"/>
           </a:xfrm>
           <a:prstGeom prst="straightConnector1">
             <a:avLst/>
@@ -4774,15 +4799,15 @@
           </p:cNvPr>
           <p:cNvCxnSpPr>
             <a:cxnSpLocks/>
-            <a:stCxn id="8" idx="3"/>
+            <a:stCxn id="8" idx="2"/>
             <a:endCxn id="10" idx="0"/>
           </p:cNvCxnSpPr>
           <p:nvPr/>
         </p:nvCxnSpPr>
         <p:spPr>
           <a:xfrm>
-            <a:off x="5812221" y="3429000"/>
-            <a:ext cx="1570814" cy="995568"/>
+            <a:off x="3667396" y="3566013"/>
+            <a:ext cx="890809" cy="728667"/>
           </a:xfrm>
           <a:prstGeom prst="straightConnector1">
             <a:avLst/>
@@ -4821,15 +4846,15 @@
           </p:cNvPr>
           <p:cNvCxnSpPr>
             <a:cxnSpLocks/>
-            <a:stCxn id="8" idx="3"/>
+            <a:stCxn id="8" idx="2"/>
             <a:endCxn id="9" idx="0"/>
           </p:cNvCxnSpPr>
           <p:nvPr/>
         </p:nvCxnSpPr>
         <p:spPr>
           <a:xfrm>
-            <a:off x="5812221" y="3429000"/>
-            <a:ext cx="688429" cy="986774"/>
+            <a:off x="3667396" y="3566013"/>
+            <a:ext cx="165216" cy="728667"/>
           </a:xfrm>
           <a:prstGeom prst="straightConnector1">
             <a:avLst/>
@@ -4868,14 +4893,14 @@
           </p:cNvPr>
           <p:cNvCxnSpPr>
             <a:cxnSpLocks/>
-            <a:stCxn id="8" idx="3"/>
+            <a:stCxn id="8" idx="2"/>
           </p:cNvCxnSpPr>
           <p:nvPr/>
         </p:nvCxnSpPr>
         <p:spPr>
-          <a:xfrm>
-            <a:off x="5812221" y="3429000"/>
-            <a:ext cx="111212" cy="1262347"/>
+          <a:xfrm flipH="1">
+            <a:off x="3450102" y="3566013"/>
+            <a:ext cx="217294" cy="1016667"/>
           </a:xfrm>
           <a:prstGeom prst="straightConnector1">
             <a:avLst/>
@@ -4920,9 +4945,9 @@
           <p:nvPr/>
         </p:nvCxnSpPr>
         <p:spPr>
-          <a:xfrm>
-            <a:off x="4750676" y="3732721"/>
-            <a:ext cx="0" cy="691847"/>
+          <a:xfrm flipH="1">
+            <a:off x="2275346" y="3566013"/>
+            <a:ext cx="1392050" cy="732597"/>
           </a:xfrm>
           <a:prstGeom prst="straightConnector1">
             <a:avLst/>
@@ -4964,7 +4989,7 @@
         </p:nvSpPr>
         <p:spPr>
           <a:xfrm>
-            <a:off x="5350123" y="5549528"/>
+            <a:off x="2874793" y="5423570"/>
             <a:ext cx="1365630" cy="369332"/>
           </a:xfrm>
           <a:prstGeom prst="rect">
@@ -5003,8 +5028,8 @@
         </p:nvCxnSpPr>
         <p:spPr>
           <a:xfrm flipV="1">
-            <a:off x="5812221" y="2791323"/>
-            <a:ext cx="3958859" cy="637677"/>
+            <a:off x="4728941" y="3168513"/>
+            <a:ext cx="3213339" cy="93779"/>
           </a:xfrm>
           <a:prstGeom prst="straightConnector1">
             <a:avLst/>
@@ -5046,7 +5071,7 @@
         </p:nvSpPr>
         <p:spPr>
           <a:xfrm>
-            <a:off x="2167875" y="4777593"/>
+            <a:off x="2339325" y="1464762"/>
             <a:ext cx="1047146" cy="369332"/>
           </a:xfrm>
           <a:prstGeom prst="rect">
@@ -5082,8 +5107,8 @@
         </p:nvSpPr>
         <p:spPr>
           <a:xfrm>
-            <a:off x="5758316" y="-34730"/>
-            <a:ext cx="5546695" cy="2585323"/>
+            <a:off x="3947547" y="22368"/>
+            <a:ext cx="5546695" cy="369332"/>
           </a:xfrm>
           <a:prstGeom prst="rect">
             <a:avLst/>
@@ -5102,44 +5127,6 @@
               <a:t>Remote systems: Other IBM Aspera components</a:t>
             </a:r>
           </a:p>
-          <a:p>
-            <a:pPr algn="ctr"/>
-            <a:endParaRPr lang="en-US" dirty="0"/>
-          </a:p>
-          <a:p>
-            <a:pPr algn="ctr"/>
-            <a:r>
-              <a:rPr lang="en-US" dirty="0"/>
-              <a:t>Web Apps</a:t>
-            </a:r>
-          </a:p>
-          <a:p>
-            <a:pPr algn="r"/>
-            <a:endParaRPr lang="en-US" dirty="0"/>
-          </a:p>
-          <a:p>
-            <a:pPr algn="r"/>
-            <a:endParaRPr lang="en-US" dirty="0"/>
-          </a:p>
-          <a:p>
-            <a:pPr algn="r"/>
-            <a:endParaRPr lang="en-US" dirty="0"/>
-          </a:p>
-          <a:p>
-            <a:pPr algn="r"/>
-            <a:endParaRPr lang="en-US" dirty="0"/>
-          </a:p>
-          <a:p>
-            <a:pPr algn="r"/>
-            <a:endParaRPr lang="en-US" dirty="0"/>
-          </a:p>
-          <a:p>
-            <a:pPr algn="r"/>
-            <a:r>
-              <a:rPr lang="en-US" dirty="0"/>
-              <a:t>Transfer Servers</a:t>
-            </a:r>
-          </a:p>
         </p:txBody>
       </p:sp>
       <p:sp>
@@ -5156,7 +5143,7 @@
         </p:nvSpPr>
         <p:spPr>
           <a:xfrm>
-            <a:off x="431236" y="3215667"/>
+            <a:off x="432608" y="2509777"/>
             <a:ext cx="3304879" cy="369332"/>
           </a:xfrm>
           <a:prstGeom prst="rect">
@@ -5171,51 +5158,9 @@
           <a:lstStyle/>
           <a:p>
             <a:r>
-              <a:rPr lang="en-US"/>
+              <a:rPr lang="en-US" dirty="0"/>
               <a:t>Single gem implementing </a:t>
             </a:r>
-            <a:r>
-              <a:rPr lang="en-US" sz="1600" b="1">
-                <a:latin typeface="Courier New" panose="02070309020205020404" pitchFamily="49" charset="0"/>
-                <a:cs typeface="Courier New" panose="02070309020205020404" pitchFamily="49" charset="0"/>
-              </a:rPr>
-              <a:t>ascli</a:t>
-            </a:r>
-            <a:endParaRPr lang="en-US" b="1">
-              <a:latin typeface="Courier New" panose="02070309020205020404" pitchFamily="49" charset="0"/>
-              <a:cs typeface="Courier New" panose="02070309020205020404" pitchFamily="49" charset="0"/>
-            </a:endParaRPr>
-          </a:p>
-        </p:txBody>
-      </p:sp>
-      <p:sp>
-        <p:nvSpPr>
-          <p:cNvPr id="21" name="ZoneTexte 20">
-            <a:extLst>
-              <a:ext uri="{FF2B5EF4-FFF2-40B4-BE49-F238E27FC236}">
-                <a16:creationId xmlns:a16="http://schemas.microsoft.com/office/drawing/2014/main" id="{624E3B55-AE14-EB46-A38A-C92A1120A3F7}"/>
-              </a:ext>
-            </a:extLst>
-          </p:cNvPr>
-          <p:cNvSpPr txBox="1"/>
-          <p:nvPr/>
-        </p:nvSpPr>
-        <p:spPr>
-          <a:xfrm>
-            <a:off x="444038" y="308962"/>
-            <a:ext cx="3323667" cy="369332"/>
-          </a:xfrm>
-          <a:prstGeom prst="rect">
-            <a:avLst/>
-          </a:prstGeom>
-          <a:noFill/>
-        </p:spPr>
-        <p:txBody>
-          <a:bodyPr wrap="none" rtlCol="0">
-            <a:spAutoFit/>
-          </a:bodyPr>
-          <a:lstStyle/>
-          <a:p>
             <a:r>
               <a:rPr lang="en-US" sz="1600" b="1" dirty="0" err="1">
                 <a:latin typeface="Courier New" panose="02070309020205020404" pitchFamily="49" charset="0"/>
@@ -5223,6 +5168,48 @@
               </a:rPr>
               <a:t>ascli</a:t>
             </a:r>
+            <a:endParaRPr lang="en-US" b="1" dirty="0">
+              <a:latin typeface="Courier New" panose="02070309020205020404" pitchFamily="49" charset="0"/>
+              <a:cs typeface="Courier New" panose="02070309020205020404" pitchFamily="49" charset="0"/>
+            </a:endParaRPr>
+          </a:p>
+        </p:txBody>
+      </p:sp>
+      <p:sp>
+        <p:nvSpPr>
+          <p:cNvPr id="21" name="ZoneTexte 20">
+            <a:extLst>
+              <a:ext uri="{FF2B5EF4-FFF2-40B4-BE49-F238E27FC236}">
+                <a16:creationId xmlns:a16="http://schemas.microsoft.com/office/drawing/2014/main" id="{624E3B55-AE14-EB46-A38A-C92A1120A3F7}"/>
+              </a:ext>
+            </a:extLst>
+          </p:cNvPr>
+          <p:cNvSpPr txBox="1"/>
+          <p:nvPr/>
+        </p:nvSpPr>
+        <p:spPr>
+          <a:xfrm>
+            <a:off x="444038" y="308962"/>
+            <a:ext cx="3323667" cy="369332"/>
+          </a:xfrm>
+          <a:prstGeom prst="rect">
+            <a:avLst/>
+          </a:prstGeom>
+          <a:noFill/>
+        </p:spPr>
+        <p:txBody>
+          <a:bodyPr wrap="none" rtlCol="0">
+            <a:spAutoFit/>
+          </a:bodyPr>
+          <a:lstStyle/>
+          <a:p>
+            <a:r>
+              <a:rPr lang="en-US" sz="1600" b="1" dirty="0" err="1">
+                <a:latin typeface="Courier New" panose="02070309020205020404" pitchFamily="49" charset="0"/>
+                <a:cs typeface="Courier New" panose="02070309020205020404" pitchFamily="49" charset="0"/>
+              </a:rPr>
+              <a:t>ascli</a:t>
+            </a:r>
             <a:r>
               <a:rPr lang="en-US" dirty="0"/>
               <a:t> and external components</a:t>
@@ -5244,8 +5231,8 @@
         </p:nvSpPr>
         <p:spPr>
           <a:xfrm>
-            <a:off x="7896124" y="4427056"/>
-            <a:ext cx="1100733" cy="288000"/>
+            <a:off x="4998371" y="4295718"/>
+            <a:ext cx="864162" cy="288000"/>
           </a:xfrm>
           <a:prstGeom prst="roundRect">
             <a:avLst/>
@@ -5255,6 +5242,13 @@
               <a:lumMod val="75000"/>
             </a:schemeClr>
           </a:solidFill>
+          <a:ln>
+            <a:solidFill>
+              <a:schemeClr val="accent1">
+                <a:lumMod val="50000"/>
+              </a:schemeClr>
+            </a:solidFill>
+          </a:ln>
         </p:spPr>
         <p:style>
           <a:lnRef idx="2">
@@ -5273,12 +5267,12 @@
           </a:fontRef>
         </p:style>
         <p:txBody>
-          <a:bodyPr rtlCol="0" anchor="ctr"/>
+          <a:bodyPr lIns="0" tIns="0" rIns="0" bIns="0" rtlCol="0" anchor="ctr"/>
           <a:lstStyle/>
           <a:p>
             <a:pPr algn="ctr"/>
             <a:r>
-              <a:rPr lang="en-US">
+              <a:rPr lang="en-US" dirty="0">
                 <a:solidFill>
                   <a:schemeClr val="bg1"/>
                 </a:solidFill>
@@ -5302,7 +5296,7 @@
         </p:nvSpPr>
         <p:spPr>
           <a:xfrm>
-            <a:off x="11148923" y="3509324"/>
+            <a:off x="9320123" y="3886514"/>
             <a:ext cx="152404" cy="296663"/>
           </a:xfrm>
           <a:prstGeom prst="roundRect">
@@ -5363,7 +5357,7 @@
         </p:nvGrpSpPr>
         <p:grpSpPr>
           <a:xfrm>
-            <a:off x="9771080" y="2645292"/>
+            <a:off x="7942280" y="3022482"/>
             <a:ext cx="1533931" cy="296663"/>
             <a:chOff x="9771080" y="2645292"/>
             <a:chExt cx="1533931" cy="296663"/>
@@ -5503,7 +5497,7 @@
         </p:nvGrpSpPr>
         <p:grpSpPr>
           <a:xfrm>
-            <a:off x="9771081" y="3086158"/>
+            <a:off x="7942281" y="3463348"/>
             <a:ext cx="1530246" cy="296663"/>
             <a:chOff x="9771081" y="3086158"/>
             <a:chExt cx="1530246" cy="296663"/>
@@ -5557,12 +5551,12 @@
             <a:p>
               <a:pPr algn="ctr"/>
               <a:r>
-                <a:rPr lang="en-US">
+                <a:rPr lang="en-US" dirty="0">
                   <a:solidFill>
                     <a:schemeClr val="bg1"/>
                   </a:solidFill>
                 </a:rPr>
-                <a:t>AoC/ATS</a:t>
+                <a:t>ATS</a:t>
               </a:r>
             </a:p>
           </p:txBody>
@@ -5640,15 +5634,15 @@
           </p:cNvPr>
           <p:cNvCxnSpPr>
             <a:cxnSpLocks/>
-            <a:stCxn id="8" idx="3"/>
+            <a:stCxn id="8" idx="2"/>
             <a:endCxn id="3" idx="0"/>
           </p:cNvCxnSpPr>
           <p:nvPr/>
         </p:nvCxnSpPr>
         <p:spPr>
           <a:xfrm>
-            <a:off x="5812221" y="3429000"/>
-            <a:ext cx="2634270" cy="998056"/>
+            <a:off x="3667396" y="3566013"/>
+            <a:ext cx="1763056" cy="729705"/>
           </a:xfrm>
           <a:prstGeom prst="straightConnector1">
             <a:avLst/>
@@ -5692,7 +5686,7 @@
         </p:nvCxnSpPr>
         <p:spPr>
           <a:xfrm>
-            <a:off x="376455" y="4332569"/>
+            <a:off x="547905" y="1019738"/>
             <a:ext cx="442751" cy="0"/>
           </a:xfrm>
           <a:prstGeom prst="straightConnector1">
@@ -5735,7 +5729,7 @@
         </p:nvSpPr>
         <p:spPr>
           <a:xfrm>
-            <a:off x="858395" y="4147903"/>
+            <a:off x="1029845" y="835072"/>
             <a:ext cx="596253" cy="276999"/>
           </a:xfrm>
           <a:prstGeom prst="rect">
@@ -5772,7 +5766,7 @@
         </p:nvCxnSpPr>
         <p:spPr>
           <a:xfrm>
-            <a:off x="376455" y="4684164"/>
+            <a:off x="547905" y="1371333"/>
             <a:ext cx="442751" cy="0"/>
           </a:xfrm>
           <a:prstGeom prst="straightConnector1">
@@ -5815,8 +5809,8 @@
         </p:nvSpPr>
         <p:spPr>
           <a:xfrm>
-            <a:off x="858395" y="4499498"/>
-            <a:ext cx="1546001" cy="276999"/>
+            <a:off x="1029845" y="1186667"/>
+            <a:ext cx="2183868" cy="276999"/>
           </a:xfrm>
           <a:prstGeom prst="rect">
             <a:avLst/>
@@ -5831,7 +5825,7 @@
           <a:p>
             <a:r>
               <a:rPr lang="en-US" dirty="0"/>
-              <a:t>F ASP (TCP/UDP)</a:t>
+              <a:t>F ASP (TCP/UDP) server</a:t>
             </a:r>
           </a:p>
         </p:txBody>
@@ -5852,7 +5846,7 @@
         </p:nvCxnSpPr>
         <p:spPr>
           <a:xfrm>
-            <a:off x="370233" y="4985855"/>
+            <a:off x="541683" y="1673024"/>
             <a:ext cx="442751" cy="0"/>
           </a:xfrm>
           <a:prstGeom prst="straightConnector1">
@@ -5895,7 +5889,7 @@
         </p:nvSpPr>
         <p:spPr>
           <a:xfrm>
-            <a:off x="852173" y="4801189"/>
+            <a:off x="1023623" y="1488358"/>
             <a:ext cx="476092" cy="276999"/>
           </a:xfrm>
           <a:prstGeom prst="rect">
@@ -5935,12 +5929,12 @@
         </p:nvCxnSpPr>
         <p:spPr>
           <a:xfrm flipV="1">
-            <a:off x="8996857" y="3657656"/>
-            <a:ext cx="2304470" cy="1198781"/>
+            <a:off x="7295749" y="4034846"/>
+            <a:ext cx="2176778" cy="695633"/>
           </a:xfrm>
           <a:prstGeom prst="bentConnector3">
             <a:avLst>
-              <a:gd name="adj1" fmla="val 109920"/>
+              <a:gd name="adj1" fmla="val 110502"/>
             </a:avLst>
           </a:prstGeom>
           <a:ln w="25400">
@@ -5984,12 +5978,12 @@
         </p:nvCxnSpPr>
         <p:spPr>
           <a:xfrm flipV="1">
-            <a:off x="8996857" y="3234490"/>
-            <a:ext cx="2304470" cy="1621947"/>
+            <a:off x="7295749" y="3611680"/>
+            <a:ext cx="2176778" cy="1118799"/>
           </a:xfrm>
           <a:prstGeom prst="bentConnector3">
             <a:avLst>
-              <a:gd name="adj1" fmla="val 109920"/>
+              <a:gd name="adj1" fmla="val 110502"/>
             </a:avLst>
           </a:prstGeom>
           <a:ln w="25400">
@@ -6033,12 +6027,12 @@
         </p:nvCxnSpPr>
         <p:spPr>
           <a:xfrm flipV="1">
-            <a:off x="8996857" y="2793624"/>
-            <a:ext cx="2308154" cy="2062813"/>
+            <a:off x="7295749" y="3170814"/>
+            <a:ext cx="2180462" cy="1559665"/>
           </a:xfrm>
           <a:prstGeom prst="bentConnector3">
             <a:avLst>
-              <a:gd name="adj1" fmla="val 109904"/>
+              <a:gd name="adj1" fmla="val 110484"/>
             </a:avLst>
           </a:prstGeom>
           <a:ln w="25400">
@@ -6078,7 +6072,7 @@
         </p:nvSpPr>
         <p:spPr>
           <a:xfrm>
-            <a:off x="843788" y="4479187"/>
+            <a:off x="1015238" y="1166356"/>
             <a:ext cx="152404" cy="296663"/>
           </a:xfrm>
           <a:prstGeom prst="roundRect">
@@ -6121,6 +6115,497 @@
                 </a:solidFill>
               </a:rPr>
               <a:t>F</a:t>
+            </a:r>
+          </a:p>
+        </p:txBody>
+      </p:sp>
+      <p:sp>
+        <p:nvSpPr>
+          <p:cNvPr id="56" name="Rectangle : coins arrondis 55">
+            <a:extLst>
+              <a:ext uri="{FF2B5EF4-FFF2-40B4-BE49-F238E27FC236}">
+                <a16:creationId xmlns:a16="http://schemas.microsoft.com/office/drawing/2014/main" id="{E4781B2A-7E27-748C-4922-9D6AB8B52181}"/>
+              </a:ext>
+            </a:extLst>
+          </p:cNvPr>
+          <p:cNvSpPr/>
+          <p:nvPr/>
+        </p:nvSpPr>
+        <p:spPr>
+          <a:xfrm>
+            <a:off x="5860185" y="4293220"/>
+            <a:ext cx="791580" cy="288000"/>
+          </a:xfrm>
+          <a:prstGeom prst="roundRect">
+            <a:avLst/>
+          </a:prstGeom>
+          <a:solidFill>
+            <a:schemeClr val="accent1">
+              <a:lumMod val="75000"/>
+            </a:schemeClr>
+          </a:solidFill>
+          <a:ln>
+            <a:solidFill>
+              <a:schemeClr val="accent1">
+                <a:lumMod val="50000"/>
+              </a:schemeClr>
+            </a:solidFill>
+          </a:ln>
+        </p:spPr>
+        <p:style>
+          <a:lnRef idx="2">
+            <a:schemeClr val="accent1">
+              <a:shade val="50000"/>
+            </a:schemeClr>
+          </a:lnRef>
+          <a:fillRef idx="1">
+            <a:schemeClr val="accent1"/>
+          </a:fillRef>
+          <a:effectRef idx="0">
+            <a:schemeClr val="accent1"/>
+          </a:effectRef>
+          <a:fontRef idx="minor">
+            <a:schemeClr val="lt1"/>
+          </a:fontRef>
+        </p:style>
+        <p:txBody>
+          <a:bodyPr lIns="0" tIns="0" rIns="0" bIns="0" rtlCol="0" anchor="ctr"/>
+          <a:lstStyle/>
+          <a:p>
+            <a:pPr algn="ctr"/>
+            <a:r>
+              <a:rPr lang="en-US" dirty="0">
+                <a:solidFill>
+                  <a:schemeClr val="bg1"/>
+                </a:solidFill>
+              </a:rPr>
+              <a:t>Desktop</a:t>
+            </a:r>
+          </a:p>
+        </p:txBody>
+      </p:sp>
+      <p:cxnSp>
+        <p:nvCxnSpPr>
+          <p:cNvPr id="60" name="Connecteur droit avec flèche 59">
+            <a:extLst>
+              <a:ext uri="{FF2B5EF4-FFF2-40B4-BE49-F238E27FC236}">
+                <a16:creationId xmlns:a16="http://schemas.microsoft.com/office/drawing/2014/main" id="{E40615D2-4EE9-DB95-CADA-5278D1EE33AA}"/>
+              </a:ext>
+            </a:extLst>
+          </p:cNvPr>
+          <p:cNvCxnSpPr>
+            <a:cxnSpLocks/>
+            <a:stCxn id="8" idx="2"/>
+            <a:endCxn id="56" idx="0"/>
+          </p:cNvCxnSpPr>
+          <p:nvPr/>
+        </p:nvCxnSpPr>
+        <p:spPr>
+          <a:xfrm>
+            <a:off x="3667396" y="3566013"/>
+            <a:ext cx="2588579" cy="727207"/>
+          </a:xfrm>
+          <a:prstGeom prst="straightConnector1">
+            <a:avLst/>
+          </a:prstGeom>
+          <a:ln w="25400">
+            <a:solidFill>
+              <a:srgbClr val="00B050"/>
+            </a:solidFill>
+            <a:headEnd w="lg" len="lg"/>
+            <a:tailEnd type="triangle"/>
+          </a:ln>
+        </p:spPr>
+        <p:style>
+          <a:lnRef idx="1">
+            <a:schemeClr val="accent1"/>
+          </a:lnRef>
+          <a:fillRef idx="0">
+            <a:schemeClr val="accent1"/>
+          </a:fillRef>
+          <a:effectRef idx="0">
+            <a:schemeClr val="accent1"/>
+          </a:effectRef>
+          <a:fontRef idx="minor">
+            <a:schemeClr val="tx1"/>
+          </a:fontRef>
+        </p:style>
+      </p:cxnSp>
+      <p:sp>
+        <p:nvSpPr>
+          <p:cNvPr id="63" name="ZoneTexte 62">
+            <a:extLst>
+              <a:ext uri="{FF2B5EF4-FFF2-40B4-BE49-F238E27FC236}">
+                <a16:creationId xmlns:a16="http://schemas.microsoft.com/office/drawing/2014/main" id="{1358F586-0C39-5327-2473-30639594E342}"/>
+              </a:ext>
+            </a:extLst>
+          </p:cNvPr>
+          <p:cNvSpPr txBox="1"/>
+          <p:nvPr/>
+        </p:nvSpPr>
+        <p:spPr>
+          <a:xfrm>
+            <a:off x="7822918" y="295593"/>
+            <a:ext cx="1635132" cy="369332"/>
+          </a:xfrm>
+          <a:prstGeom prst="rect">
+            <a:avLst/>
+          </a:prstGeom>
+          <a:noFill/>
+        </p:spPr>
+        <p:txBody>
+          <a:bodyPr wrap="square" rtlCol="0">
+            <a:spAutoFit/>
+          </a:bodyPr>
+          <a:lstStyle/>
+          <a:p>
+            <a:pPr algn="ctr"/>
+            <a:r>
+              <a:rPr lang="en-US" dirty="0"/>
+              <a:t>Web Apps</a:t>
+            </a:r>
+          </a:p>
+        </p:txBody>
+      </p:sp>
+      <p:sp>
+        <p:nvSpPr>
+          <p:cNvPr id="64" name="ZoneTexte 63">
+            <a:extLst>
+              <a:ext uri="{FF2B5EF4-FFF2-40B4-BE49-F238E27FC236}">
+                <a16:creationId xmlns:a16="http://schemas.microsoft.com/office/drawing/2014/main" id="{893937D9-E12A-DE30-35B1-0F4A1EEF5219}"/>
+              </a:ext>
+            </a:extLst>
+          </p:cNvPr>
+          <p:cNvSpPr txBox="1"/>
+          <p:nvPr/>
+        </p:nvSpPr>
+        <p:spPr>
+          <a:xfrm>
+            <a:off x="7680066" y="2691824"/>
+            <a:ext cx="1796145" cy="276999"/>
+          </a:xfrm>
+          <a:prstGeom prst="rect">
+            <a:avLst/>
+          </a:prstGeom>
+          <a:noFill/>
+        </p:spPr>
+        <p:txBody>
+          <a:bodyPr wrap="square" lIns="0" tIns="0" rIns="0" bIns="0" rtlCol="0">
+            <a:spAutoFit/>
+          </a:bodyPr>
+          <a:lstStyle/>
+          <a:p>
+            <a:pPr algn="r"/>
+            <a:r>
+              <a:rPr lang="en-US" dirty="0"/>
+              <a:t>Transfer Servers</a:t>
+            </a:r>
+          </a:p>
+        </p:txBody>
+      </p:sp>
+      <p:sp>
+        <p:nvSpPr>
+          <p:cNvPr id="65" name="Rectangle : coins arrondis 64">
+            <a:extLst>
+              <a:ext uri="{FF2B5EF4-FFF2-40B4-BE49-F238E27FC236}">
+                <a16:creationId xmlns:a16="http://schemas.microsoft.com/office/drawing/2014/main" id="{864159ED-AB9A-652C-03D9-8BDB0EF47903}"/>
+              </a:ext>
+            </a:extLst>
+          </p:cNvPr>
+          <p:cNvSpPr/>
+          <p:nvPr/>
+        </p:nvSpPr>
+        <p:spPr>
+          <a:xfrm>
+            <a:off x="7931780" y="2372118"/>
+            <a:ext cx="1526271" cy="288000"/>
+          </a:xfrm>
+          <a:prstGeom prst="roundRect">
+            <a:avLst/>
+          </a:prstGeom>
+          <a:solidFill>
+            <a:schemeClr val="accent1">
+              <a:lumMod val="75000"/>
+            </a:schemeClr>
+          </a:solidFill>
+        </p:spPr>
+        <p:style>
+          <a:lnRef idx="2">
+            <a:schemeClr val="accent1">
+              <a:shade val="50000"/>
+            </a:schemeClr>
+          </a:lnRef>
+          <a:fillRef idx="1">
+            <a:schemeClr val="accent1"/>
+          </a:fillRef>
+          <a:effectRef idx="0">
+            <a:schemeClr val="accent1"/>
+          </a:effectRef>
+          <a:fontRef idx="minor">
+            <a:schemeClr val="lt1"/>
+          </a:fontRef>
+        </p:style>
+        <p:txBody>
+          <a:bodyPr rtlCol="0" anchor="ctr"/>
+          <a:lstStyle/>
+          <a:p>
+            <a:pPr algn="ctr"/>
+            <a:r>
+              <a:rPr lang="en-US" dirty="0" err="1">
+                <a:solidFill>
+                  <a:schemeClr val="bg1"/>
+                </a:solidFill>
+              </a:rPr>
+              <a:t>AoC</a:t>
+            </a:r>
+            <a:r>
+              <a:rPr lang="en-US" dirty="0">
+                <a:solidFill>
+                  <a:schemeClr val="bg1"/>
+                </a:solidFill>
+              </a:rPr>
+              <a:t>/ATS</a:t>
+            </a:r>
+          </a:p>
+        </p:txBody>
+      </p:sp>
+      <p:cxnSp>
+        <p:nvCxnSpPr>
+          <p:cNvPr id="66" name="Connecteur droit avec flèche 65">
+            <a:extLst>
+              <a:ext uri="{FF2B5EF4-FFF2-40B4-BE49-F238E27FC236}">
+                <a16:creationId xmlns:a16="http://schemas.microsoft.com/office/drawing/2014/main" id="{B9C34356-40E1-FC09-60F0-F1EAE7D61A7B}"/>
+              </a:ext>
+            </a:extLst>
+          </p:cNvPr>
+          <p:cNvCxnSpPr>
+            <a:cxnSpLocks/>
+            <a:stCxn id="8" idx="3"/>
+            <a:endCxn id="65" idx="1"/>
+          </p:cNvCxnSpPr>
+          <p:nvPr/>
+        </p:nvCxnSpPr>
+        <p:spPr>
+          <a:xfrm flipV="1">
+            <a:off x="4728941" y="2516118"/>
+            <a:ext cx="3202839" cy="746174"/>
+          </a:xfrm>
+          <a:prstGeom prst="straightConnector1">
+            <a:avLst/>
+          </a:prstGeom>
+          <a:ln w="25400">
+            <a:solidFill>
+              <a:srgbClr val="00B050"/>
+            </a:solidFill>
+            <a:headEnd w="lg" len="lg"/>
+            <a:tailEnd type="triangle"/>
+          </a:ln>
+        </p:spPr>
+        <p:style>
+          <a:lnRef idx="1">
+            <a:schemeClr val="accent1"/>
+          </a:lnRef>
+          <a:fillRef idx="0">
+            <a:schemeClr val="accent1"/>
+          </a:fillRef>
+          <a:effectRef idx="0">
+            <a:schemeClr val="accent1"/>
+          </a:effectRef>
+          <a:fontRef idx="minor">
+            <a:schemeClr val="tx1"/>
+          </a:fontRef>
+        </p:style>
+      </p:cxnSp>
+      <p:sp>
+        <p:nvSpPr>
+          <p:cNvPr id="70" name="Rectangle : coins arrondis 69">
+            <a:extLst>
+              <a:ext uri="{FF2B5EF4-FFF2-40B4-BE49-F238E27FC236}">
+                <a16:creationId xmlns:a16="http://schemas.microsoft.com/office/drawing/2014/main" id="{205D890D-A036-18D4-A172-9FDBA5312DFA}"/>
+              </a:ext>
+            </a:extLst>
+          </p:cNvPr>
+          <p:cNvSpPr/>
+          <p:nvPr/>
+        </p:nvSpPr>
+        <p:spPr>
+          <a:xfrm>
+            <a:off x="6651765" y="4287404"/>
+            <a:ext cx="643985" cy="288000"/>
+          </a:xfrm>
+          <a:prstGeom prst="roundRect">
+            <a:avLst/>
+          </a:prstGeom>
+          <a:solidFill>
+            <a:schemeClr val="accent1">
+              <a:lumMod val="75000"/>
+            </a:schemeClr>
+          </a:solidFill>
+          <a:ln>
+            <a:solidFill>
+              <a:schemeClr val="accent1">
+                <a:lumMod val="50000"/>
+              </a:schemeClr>
+            </a:solidFill>
+          </a:ln>
+        </p:spPr>
+        <p:style>
+          <a:lnRef idx="2">
+            <a:schemeClr val="accent1">
+              <a:shade val="50000"/>
+            </a:schemeClr>
+          </a:lnRef>
+          <a:fillRef idx="1">
+            <a:schemeClr val="accent1"/>
+          </a:fillRef>
+          <a:effectRef idx="0">
+            <a:schemeClr val="accent1"/>
+          </a:effectRef>
+          <a:fontRef idx="minor">
+            <a:schemeClr val="lt1"/>
+          </a:fontRef>
+        </p:style>
+        <p:txBody>
+          <a:bodyPr lIns="0" tIns="0" rIns="0" bIns="0" rtlCol="0" anchor="ctr"/>
+          <a:lstStyle/>
+          <a:p>
+            <a:pPr algn="ctr"/>
+            <a:r>
+              <a:rPr lang="en-US" dirty="0">
+                <a:solidFill>
+                  <a:schemeClr val="bg1"/>
+                </a:solidFill>
+              </a:rPr>
+              <a:t>Node</a:t>
+            </a:r>
+          </a:p>
+        </p:txBody>
+      </p:sp>
+      <p:cxnSp>
+        <p:nvCxnSpPr>
+          <p:cNvPr id="74" name="Connecteur droit avec flèche 73">
+            <a:extLst>
+              <a:ext uri="{FF2B5EF4-FFF2-40B4-BE49-F238E27FC236}">
+                <a16:creationId xmlns:a16="http://schemas.microsoft.com/office/drawing/2014/main" id="{024AC71F-443A-D96E-0314-D9D4553C0CD7}"/>
+              </a:ext>
+            </a:extLst>
+          </p:cNvPr>
+          <p:cNvCxnSpPr>
+            <a:cxnSpLocks/>
+            <a:stCxn id="8" idx="2"/>
+            <a:endCxn id="70" idx="0"/>
+          </p:cNvCxnSpPr>
+          <p:nvPr/>
+        </p:nvCxnSpPr>
+        <p:spPr>
+          <a:xfrm>
+            <a:off x="3667396" y="3566013"/>
+            <a:ext cx="3306362" cy="721391"/>
+          </a:xfrm>
+          <a:prstGeom prst="straightConnector1">
+            <a:avLst/>
+          </a:prstGeom>
+          <a:ln w="25400">
+            <a:solidFill>
+              <a:srgbClr val="00B050"/>
+            </a:solidFill>
+            <a:headEnd w="lg" len="lg"/>
+            <a:tailEnd type="triangle"/>
+          </a:ln>
+        </p:spPr>
+        <p:style>
+          <a:lnRef idx="1">
+            <a:schemeClr val="accent1"/>
+          </a:lnRef>
+          <a:fillRef idx="0">
+            <a:schemeClr val="accent1"/>
+          </a:fillRef>
+          <a:effectRef idx="0">
+            <a:schemeClr val="accent1"/>
+          </a:effectRef>
+          <a:fontRef idx="minor">
+            <a:schemeClr val="tx1"/>
+          </a:fontRef>
+        </p:style>
+      </p:cxnSp>
+      <p:sp>
+        <p:nvSpPr>
+          <p:cNvPr id="77" name="ZoneTexte 76">
+            <a:extLst>
+              <a:ext uri="{FF2B5EF4-FFF2-40B4-BE49-F238E27FC236}">
+                <a16:creationId xmlns:a16="http://schemas.microsoft.com/office/drawing/2014/main" id="{4EB32273-5A64-FDA6-938A-C526BED75A04}"/>
+              </a:ext>
+            </a:extLst>
+          </p:cNvPr>
+          <p:cNvSpPr txBox="1"/>
+          <p:nvPr/>
+        </p:nvSpPr>
+        <p:spPr>
+          <a:xfrm>
+            <a:off x="3333212" y="3905318"/>
+            <a:ext cx="3958853" cy="276999"/>
+          </a:xfrm>
+          <a:prstGeom prst="rect">
+            <a:avLst/>
+          </a:prstGeom>
+          <a:noFill/>
+          <a:ln w="0">
+            <a:solidFill>
+              <a:schemeClr val="tx1"/>
+            </a:solidFill>
+          </a:ln>
+        </p:spPr>
+        <p:txBody>
+          <a:bodyPr wrap="square" lIns="0" tIns="0" rIns="0" bIns="0" rtlCol="0" anchor="ctr" anchorCtr="0">
+            <a:spAutoFit/>
+          </a:bodyPr>
+          <a:lstStyle/>
+          <a:p>
+            <a:pPr algn="ctr"/>
+            <a:r>
+              <a:rPr lang="en-US" dirty="0"/>
+              <a:t>Transfer Agents</a:t>
+            </a:r>
+          </a:p>
+        </p:txBody>
+      </p:sp>
+      <p:sp>
+        <p:nvSpPr>
+          <p:cNvPr id="78" name="ZoneTexte 77">
+            <a:extLst>
+              <a:ext uri="{FF2B5EF4-FFF2-40B4-BE49-F238E27FC236}">
+                <a16:creationId xmlns:a16="http://schemas.microsoft.com/office/drawing/2014/main" id="{5F981264-1023-F157-6934-6ED1D077330A}"/>
+              </a:ext>
+            </a:extLst>
+          </p:cNvPr>
+          <p:cNvSpPr txBox="1"/>
+          <p:nvPr/>
+        </p:nvSpPr>
+        <p:spPr>
+          <a:xfrm rot="16200000">
+            <a:off x="7135603" y="3480855"/>
+            <a:ext cx="1010677" cy="276999"/>
+          </a:xfrm>
+          <a:prstGeom prst="rect">
+            <a:avLst/>
+          </a:prstGeom>
+          <a:noFill/>
+          <a:ln w="0">
+            <a:solidFill>
+              <a:schemeClr val="tx1"/>
+            </a:solidFill>
+          </a:ln>
+        </p:spPr>
+        <p:txBody>
+          <a:bodyPr wrap="square" lIns="0" tIns="0" rIns="0" bIns="0" rtlCol="0" anchor="ctr" anchorCtr="0">
+            <a:spAutoFit/>
+          </a:bodyPr>
+          <a:lstStyle/>
+          <a:p>
+            <a:pPr algn="ctr"/>
+            <a:r>
+              <a:rPr lang="en-US" dirty="0"/>
+              <a:t>Node API</a:t>
             </a:r>
           </a:p>
         </p:txBody>
